--- a/Spark_coalesce.pptx
+++ b/Spark_coalesce.pptx
@@ -5,7 +5,7 @@
     <p:sldMasterId id="2147483648" r:id="rId1"/>
   </p:sldMasterIdLst>
   <p:notesMasterIdLst>
-    <p:notesMasterId r:id="rId20"/>
+    <p:notesMasterId r:id="rId22"/>
   </p:notesMasterIdLst>
   <p:sldIdLst>
     <p:sldId id="257" r:id="rId2"/>
@@ -17,15 +17,17 @@
     <p:sldId id="290" r:id="rId8"/>
     <p:sldId id="291" r:id="rId9"/>
     <p:sldId id="292" r:id="rId10"/>
-    <p:sldId id="293" r:id="rId11"/>
-    <p:sldId id="294" r:id="rId12"/>
-    <p:sldId id="295" r:id="rId13"/>
-    <p:sldId id="299" r:id="rId14"/>
-    <p:sldId id="296" r:id="rId15"/>
-    <p:sldId id="297" r:id="rId16"/>
-    <p:sldId id="300" r:id="rId17"/>
-    <p:sldId id="298" r:id="rId18"/>
-    <p:sldId id="269" r:id="rId19"/>
+    <p:sldId id="301" r:id="rId11"/>
+    <p:sldId id="293" r:id="rId12"/>
+    <p:sldId id="294" r:id="rId13"/>
+    <p:sldId id="295" r:id="rId14"/>
+    <p:sldId id="299" r:id="rId15"/>
+    <p:sldId id="296" r:id="rId16"/>
+    <p:sldId id="297" r:id="rId17"/>
+    <p:sldId id="300" r:id="rId18"/>
+    <p:sldId id="298" r:id="rId19"/>
+    <p:sldId id="302" r:id="rId20"/>
+    <p:sldId id="269" r:id="rId21"/>
   </p:sldIdLst>
   <p:sldSz cx="12192000" cy="6858000"/>
   <p:notesSz cx="6858000" cy="9144000"/>
@@ -214,7 +216,7 @@
           <a:p>
             <a:fld id="{6FE37721-1188-47D5-9044-022ECE8C9E54}" type="datetimeFigureOut">
               <a:rPr lang="ru-RU" smtClean="0"/>
-              <a:t>09.01.2021</a:t>
+              <a:t>16.01.2021</a:t>
             </a:fld>
             <a:endParaRPr lang="ru-RU"/>
           </a:p>
@@ -613,7 +615,7 @@
           <a:p>
             <a:fld id="{B7A4174B-3865-4C52-8BB2-B1080AE4813B}" type="datetimeFigureOut">
               <a:rPr lang="ru-RU" smtClean="0"/>
-              <a:t>09.01.2021</a:t>
+              <a:t>16.01.2021</a:t>
             </a:fld>
             <a:endParaRPr lang="ru-RU"/>
           </a:p>
@@ -783,7 +785,7 @@
           <a:p>
             <a:fld id="{B7A4174B-3865-4C52-8BB2-B1080AE4813B}" type="datetimeFigureOut">
               <a:rPr lang="ru-RU" smtClean="0"/>
-              <a:t>09.01.2021</a:t>
+              <a:t>16.01.2021</a:t>
             </a:fld>
             <a:endParaRPr lang="ru-RU"/>
           </a:p>
@@ -963,7 +965,7 @@
           <a:p>
             <a:fld id="{B7A4174B-3865-4C52-8BB2-B1080AE4813B}" type="datetimeFigureOut">
               <a:rPr lang="ru-RU" smtClean="0"/>
-              <a:t>09.01.2021</a:t>
+              <a:t>16.01.2021</a:t>
             </a:fld>
             <a:endParaRPr lang="ru-RU"/>
           </a:p>
@@ -1133,7 +1135,7 @@
           <a:p>
             <a:fld id="{B7A4174B-3865-4C52-8BB2-B1080AE4813B}" type="datetimeFigureOut">
               <a:rPr lang="ru-RU" smtClean="0"/>
-              <a:t>09.01.2021</a:t>
+              <a:t>16.01.2021</a:t>
             </a:fld>
             <a:endParaRPr lang="ru-RU"/>
           </a:p>
@@ -1379,7 +1381,7 @@
           <a:p>
             <a:fld id="{B7A4174B-3865-4C52-8BB2-B1080AE4813B}" type="datetimeFigureOut">
               <a:rPr lang="ru-RU" smtClean="0"/>
-              <a:t>09.01.2021</a:t>
+              <a:t>16.01.2021</a:t>
             </a:fld>
             <a:endParaRPr lang="ru-RU"/>
           </a:p>
@@ -1611,7 +1613,7 @@
           <a:p>
             <a:fld id="{B7A4174B-3865-4C52-8BB2-B1080AE4813B}" type="datetimeFigureOut">
               <a:rPr lang="ru-RU" smtClean="0"/>
-              <a:t>09.01.2021</a:t>
+              <a:t>16.01.2021</a:t>
             </a:fld>
             <a:endParaRPr lang="ru-RU"/>
           </a:p>
@@ -1978,7 +1980,7 @@
           <a:p>
             <a:fld id="{B7A4174B-3865-4C52-8BB2-B1080AE4813B}" type="datetimeFigureOut">
               <a:rPr lang="ru-RU" smtClean="0"/>
-              <a:t>09.01.2021</a:t>
+              <a:t>16.01.2021</a:t>
             </a:fld>
             <a:endParaRPr lang="ru-RU"/>
           </a:p>
@@ -2096,7 +2098,7 @@
           <a:p>
             <a:fld id="{B7A4174B-3865-4C52-8BB2-B1080AE4813B}" type="datetimeFigureOut">
               <a:rPr lang="ru-RU" smtClean="0"/>
-              <a:t>09.01.2021</a:t>
+              <a:t>16.01.2021</a:t>
             </a:fld>
             <a:endParaRPr lang="ru-RU"/>
           </a:p>
@@ -2191,7 +2193,7 @@
           <a:p>
             <a:fld id="{B7A4174B-3865-4C52-8BB2-B1080AE4813B}" type="datetimeFigureOut">
               <a:rPr lang="ru-RU" smtClean="0"/>
-              <a:t>09.01.2021</a:t>
+              <a:t>16.01.2021</a:t>
             </a:fld>
             <a:endParaRPr lang="ru-RU"/>
           </a:p>
@@ -2468,7 +2470,7 @@
           <a:p>
             <a:fld id="{B7A4174B-3865-4C52-8BB2-B1080AE4813B}" type="datetimeFigureOut">
               <a:rPr lang="ru-RU" smtClean="0"/>
-              <a:t>09.01.2021</a:t>
+              <a:t>16.01.2021</a:t>
             </a:fld>
             <a:endParaRPr lang="ru-RU"/>
           </a:p>
@@ -2721,7 +2723,7 @@
           <a:p>
             <a:fld id="{B7A4174B-3865-4C52-8BB2-B1080AE4813B}" type="datetimeFigureOut">
               <a:rPr lang="ru-RU" smtClean="0"/>
-              <a:t>09.01.2021</a:t>
+              <a:t>16.01.2021</a:t>
             </a:fld>
             <a:endParaRPr lang="ru-RU"/>
           </a:p>
@@ -2934,7 +2936,7 @@
           <a:p>
             <a:fld id="{B7A4174B-3865-4C52-8BB2-B1080AE4813B}" type="datetimeFigureOut">
               <a:rPr lang="ru-RU" smtClean="0"/>
-              <a:t>09.01.2021</a:t>
+              <a:t>16.01.2021</a:t>
             </a:fld>
             <a:endParaRPr lang="ru-RU"/>
           </a:p>
@@ -3349,7 +3351,12 @@
             <p:ph type="ctrTitle"/>
           </p:nvPr>
         </p:nvSpPr>
-        <p:spPr/>
+        <p:spPr>
+          <a:xfrm>
+            <a:off x="1524000" y="1598486"/>
+            <a:ext cx="9144000" cy="2387600"/>
+          </a:xfrm>
+        </p:spPr>
         <p:txBody>
           <a:bodyPr>
             <a:normAutofit fontScale="90000"/>
@@ -3358,11 +3365,15 @@
           <a:p>
             <a:r>
               <a:rPr lang="en-US" dirty="0"/>
-              <a:t>Learn Spark </a:t>
+              <a:t>Learn </a:t>
             </a:r>
             <a:r>
               <a:rPr lang="en-US" dirty="0" smtClean="0"/>
-              <a:t>“Coalesce”</a:t>
+              <a:t>Apache Spark “coalesce</a:t>
+            </a:r>
+            <a:r>
+              <a:rPr lang="en-US" dirty="0" smtClean="0"/>
+              <a:t>”</a:t>
             </a:r>
             <a:r>
               <a:rPr lang="en-US" dirty="0"/>
@@ -3381,6 +3392,21 @@
             <a:r>
               <a:rPr lang="en-US" dirty="0" smtClean="0"/>
               <a:t>Part1</a:t>
+            </a:r>
+            <a:br>
+              <a:rPr lang="en-US" dirty="0" smtClean="0"/>
+            </a:br>
+            <a:r>
+              <a:rPr lang="en-US" dirty="0" smtClean="0"/>
+              <a:t>(when </a:t>
+            </a:r>
+            <a:r>
+              <a:rPr lang="en-US" dirty="0"/>
+              <a:t>no locality available</a:t>
+            </a:r>
+            <a:r>
+              <a:rPr lang="en-US" dirty="0" smtClean="0"/>
+              <a:t>)</a:t>
             </a:r>
             <a:r>
               <a:rPr lang="en-US" dirty="0"/>
@@ -3503,8 +3529,8 @@
         </p:nvSpPr>
         <p:spPr>
           <a:xfrm>
-            <a:off x="0" y="3175"/>
-            <a:ext cx="12192000" cy="1325563"/>
+            <a:off x="0" y="0"/>
+            <a:ext cx="12191999" cy="1325563"/>
           </a:xfrm>
         </p:spPr>
         <p:txBody>
@@ -3513,12 +3539,12 @@
           <a:p>
             <a:pPr algn="ctr"/>
             <a:r>
-              <a:rPr lang="en-US" dirty="0" smtClean="0"/>
+              <a:rPr lang="en-US" dirty="0"/>
               <a:t>Class </a:t>
             </a:r>
             <a:r>
-              <a:rPr lang="en-US" dirty="0" err="1" smtClean="0"/>
-              <a:t>CoalescedRDD</a:t>
+              <a:rPr lang="en-US" dirty="0" err="1"/>
+              <a:t>CoalescedRDDPartition</a:t>
             </a:r>
             <a:endParaRPr lang="ru-RU" dirty="0"/>
           </a:p>
@@ -3526,133 +3552,833 @@
       </p:sp>
       <p:sp>
         <p:nvSpPr>
-          <p:cNvPr id="6" name="Прямоугольник 5"/>
-          <p:cNvSpPr/>
-          <p:nvPr/>
+          <p:cNvPr id="8" name="Rectangle 5"/>
+          <p:cNvSpPr>
+            <a:spLocks noGrp="1" noChangeArrowheads="1"/>
+          </p:cNvSpPr>
+          <p:nvPr>
+            <p:ph idx="1"/>
+          </p:nvPr>
         </p:nvSpPr>
-        <p:spPr>
+        <p:spPr bwMode="auto">
           <a:xfrm>
-            <a:off x="0" y="2274838"/>
-            <a:ext cx="12095018" cy="1938992"/>
+            <a:off x="155912" y="2478590"/>
+            <a:ext cx="11880175" cy="3170099"/>
           </a:xfrm>
           <a:prstGeom prst="rect">
             <a:avLst/>
           </a:prstGeom>
+          <a:noFill/>
+          <a:ln>
+            <a:noFill/>
+          </a:ln>
+          <a:effectLst/>
         </p:spPr>
         <p:txBody>
-          <a:bodyPr wrap="square">
+          <a:bodyPr vert="horz" wrap="none" lIns="91440" tIns="45720" rIns="91440" bIns="45720" numCol="1" anchor="ctr" anchorCtr="0" compatLnSpc="1">
+            <a:prstTxWarp prst="textNoShape">
+              <a:avLst/>
+            </a:prstTxWarp>
             <a:spAutoFit/>
           </a:bodyPr>
           <a:lstStyle/>
           <a:p>
-            <a:r>
-              <a:rPr lang="en-US" sz="2400" dirty="0"/>
-              <a:t> override </a:t>
-            </a:r>
-            <a:r>
-              <a:rPr lang="en-US" sz="2400" dirty="0" err="1" smtClean="0"/>
-              <a:t>def</a:t>
-            </a:r>
-            <a:r>
-              <a:rPr lang="en-US" sz="2400" dirty="0" smtClean="0"/>
+            <a:pPr marL="0" marR="0" lvl="0" indent="0" algn="l" defTabSz="914400" rtl="0" eaLnBrk="0" fontAlgn="base" latinLnBrk="0" hangingPunct="0">
+              <a:lnSpc>
+                <a:spcPct val="100000"/>
+              </a:lnSpc>
+              <a:spcBef>
+                <a:spcPct val="0"/>
+              </a:spcBef>
+              <a:spcAft>
+                <a:spcPct val="0"/>
+              </a:spcAft>
+              <a:buClrTx/>
+              <a:buSzTx/>
+              <a:buFontTx/>
+              <a:buNone/>
+              <a:tabLst/>
+            </a:pPr>
+            <a:r>
+              <a:rPr kumimoji="0" lang="ru-RU" altLang="ru-RU" sz="2000" i="0" u="none" strike="noStrike" cap="none" normalizeH="0" baseline="0" dirty="0" err="1" smtClean="0">
+                <a:ln>
+                  <a:noFill/>
+                </a:ln>
+                <a:effectLst/>
+                <a:latin typeface="Courier New" panose="02070309020205020404" pitchFamily="49" charset="0"/>
+                <a:cs typeface="Courier New" panose="02070309020205020404" pitchFamily="49" charset="0"/>
+              </a:rPr>
+              <a:t>private</a:t>
+            </a:r>
+            <a:r>
+              <a:rPr kumimoji="0" lang="ru-RU" altLang="ru-RU" sz="2000" i="0" u="none" strike="noStrike" cap="none" normalizeH="0" baseline="0" dirty="0" smtClean="0">
+                <a:ln>
+                  <a:noFill/>
+                </a:ln>
+                <a:effectLst/>
+                <a:latin typeface="Courier New" panose="02070309020205020404" pitchFamily="49" charset="0"/>
+                <a:cs typeface="Courier New" panose="02070309020205020404" pitchFamily="49" charset="0"/>
+              </a:rPr>
+              <a:t>[</a:t>
+            </a:r>
+            <a:r>
+              <a:rPr kumimoji="0" lang="ru-RU" altLang="ru-RU" sz="2000" i="0" u="none" strike="noStrike" cap="none" normalizeH="0" baseline="0" dirty="0" err="1" smtClean="0">
+                <a:ln>
+                  <a:noFill/>
+                </a:ln>
+                <a:effectLst/>
+                <a:latin typeface="Courier New" panose="02070309020205020404" pitchFamily="49" charset="0"/>
+                <a:cs typeface="Courier New" panose="02070309020205020404" pitchFamily="49" charset="0"/>
+              </a:rPr>
+              <a:t>spark</a:t>
+            </a:r>
+            <a:r>
+              <a:rPr kumimoji="0" lang="ru-RU" altLang="ru-RU" sz="2000" i="0" u="none" strike="noStrike" cap="none" normalizeH="0" baseline="0" dirty="0" smtClean="0">
+                <a:ln>
+                  <a:noFill/>
+                </a:ln>
+                <a:effectLst/>
+                <a:latin typeface="Courier New" panose="02070309020205020404" pitchFamily="49" charset="0"/>
+                <a:cs typeface="Courier New" panose="02070309020205020404" pitchFamily="49" charset="0"/>
+              </a:rPr>
+              <a:t>] </a:t>
+            </a:r>
+            <a:r>
+              <a:rPr kumimoji="0" lang="ru-RU" altLang="ru-RU" sz="2000" i="0" u="none" strike="noStrike" cap="none" normalizeH="0" baseline="0" dirty="0" err="1" smtClean="0">
+                <a:ln>
+                  <a:noFill/>
+                </a:ln>
+                <a:effectLst/>
+                <a:latin typeface="Courier New" panose="02070309020205020404" pitchFamily="49" charset="0"/>
+                <a:cs typeface="Courier New" panose="02070309020205020404" pitchFamily="49" charset="0"/>
+              </a:rPr>
+              <a:t>case</a:t>
+            </a:r>
+            <a:r>
+              <a:rPr kumimoji="0" lang="ru-RU" altLang="ru-RU" sz="2000" i="0" u="none" strike="noStrike" cap="none" normalizeH="0" baseline="0" dirty="0" smtClean="0">
+                <a:ln>
+                  <a:noFill/>
+                </a:ln>
+                <a:effectLst/>
+                <a:latin typeface="Courier New" panose="02070309020205020404" pitchFamily="49" charset="0"/>
+                <a:cs typeface="Courier New" panose="02070309020205020404" pitchFamily="49" charset="0"/>
+              </a:rPr>
               <a:t> </a:t>
             </a:r>
             <a:r>
-              <a:rPr lang="en-US" sz="2400" b="1" dirty="0"/>
-              <a:t>compute(partition: Partition, context: </a:t>
-            </a:r>
-            <a:r>
-              <a:rPr lang="en-US" sz="2400" b="1" dirty="0" err="1"/>
-              <a:t>TaskContext</a:t>
-            </a:r>
-            <a:r>
-              <a:rPr lang="en-US" sz="2400" b="1" dirty="0"/>
-              <a:t>): Iterator[T]</a:t>
-            </a:r>
-            <a:r>
-              <a:rPr lang="en-US" sz="2400" dirty="0"/>
-              <a:t> = {</a:t>
-            </a:r>
-          </a:p>
-          <a:p>
-            <a:r>
-              <a:rPr lang="en-US" sz="2400" dirty="0"/>
+              <a:rPr kumimoji="0" lang="ru-RU" altLang="ru-RU" sz="2000" i="0" u="none" strike="noStrike" cap="none" normalizeH="0" baseline="0" dirty="0" err="1" smtClean="0">
+                <a:ln>
+                  <a:noFill/>
+                </a:ln>
+                <a:effectLst/>
+                <a:latin typeface="Courier New" panose="02070309020205020404" pitchFamily="49" charset="0"/>
+                <a:cs typeface="Courier New" panose="02070309020205020404" pitchFamily="49" charset="0"/>
+              </a:rPr>
+              <a:t>class</a:t>
+            </a:r>
+            <a:r>
+              <a:rPr kumimoji="0" lang="ru-RU" altLang="ru-RU" sz="2000" i="0" u="none" strike="noStrike" cap="none" normalizeH="0" baseline="0" dirty="0" smtClean="0">
+                <a:ln>
+                  <a:noFill/>
+                </a:ln>
+                <a:effectLst/>
+                <a:latin typeface="Courier New" panose="02070309020205020404" pitchFamily="49" charset="0"/>
+                <a:cs typeface="Courier New" panose="02070309020205020404" pitchFamily="49" charset="0"/>
+              </a:rPr>
+              <a:t> </a:t>
+            </a:r>
+            <a:r>
+              <a:rPr kumimoji="0" lang="ru-RU" altLang="ru-RU" sz="2000" b="1" i="0" u="none" strike="noStrike" cap="none" normalizeH="0" baseline="0" dirty="0" err="1" smtClean="0">
+                <a:ln>
+                  <a:noFill/>
+                </a:ln>
+                <a:effectLst/>
+                <a:latin typeface="Courier New" panose="02070309020205020404" pitchFamily="49" charset="0"/>
+                <a:cs typeface="Courier New" panose="02070309020205020404" pitchFamily="49" charset="0"/>
+              </a:rPr>
+              <a:t>CoalescedRDDPartition</a:t>
+            </a:r>
+            <a:r>
+              <a:rPr kumimoji="0" lang="ru-RU" altLang="ru-RU" sz="2000" i="0" u="none" strike="noStrike" cap="none" normalizeH="0" baseline="0" dirty="0" smtClean="0">
+                <a:ln>
+                  <a:noFill/>
+                </a:ln>
+                <a:effectLst/>
+                <a:latin typeface="Courier New" panose="02070309020205020404" pitchFamily="49" charset="0"/>
+                <a:cs typeface="Courier New" panose="02070309020205020404" pitchFamily="49" charset="0"/>
+              </a:rPr>
+              <a:t>(</a:t>
+            </a:r>
+            <a:br>
+              <a:rPr kumimoji="0" lang="ru-RU" altLang="ru-RU" sz="2000" i="0" u="none" strike="noStrike" cap="none" normalizeH="0" baseline="0" dirty="0" smtClean="0">
+                <a:ln>
+                  <a:noFill/>
+                </a:ln>
+                <a:effectLst/>
+                <a:latin typeface="Courier New" panose="02070309020205020404" pitchFamily="49" charset="0"/>
+                <a:cs typeface="Courier New" panose="02070309020205020404" pitchFamily="49" charset="0"/>
+              </a:rPr>
+            </a:br>
+            <a:r>
+              <a:rPr kumimoji="0" lang="ru-RU" altLang="ru-RU" sz="2000" i="0" u="none" strike="noStrike" cap="none" normalizeH="0" baseline="0" dirty="0" smtClean="0">
+                <a:ln>
+                  <a:noFill/>
+                </a:ln>
+                <a:effectLst/>
+                <a:latin typeface="Courier New" panose="02070309020205020404" pitchFamily="49" charset="0"/>
+                <a:cs typeface="Courier New" panose="02070309020205020404" pitchFamily="49" charset="0"/>
+              </a:rPr>
               <a:t>    </a:t>
             </a:r>
             <a:r>
-              <a:rPr lang="en-US" sz="2400" dirty="0" err="1"/>
-              <a:t>partition.asInstanceOf</a:t>
-            </a:r>
-            <a:r>
-              <a:rPr lang="en-US" sz="2400" dirty="0"/>
+              <a:rPr kumimoji="0" lang="ru-RU" altLang="ru-RU" sz="2000" b="1" i="0" u="none" strike="noStrike" cap="none" normalizeH="0" baseline="0" dirty="0" err="1" smtClean="0">
+                <a:ln>
+                  <a:noFill/>
+                </a:ln>
+                <a:effectLst/>
+                <a:latin typeface="Courier New" panose="02070309020205020404" pitchFamily="49" charset="0"/>
+                <a:cs typeface="Courier New" panose="02070309020205020404" pitchFamily="49" charset="0"/>
+              </a:rPr>
+              <a:t>index</a:t>
+            </a:r>
+            <a:r>
+              <a:rPr kumimoji="0" lang="ru-RU" altLang="ru-RU" sz="2000" b="1" i="0" u="none" strike="noStrike" cap="none" normalizeH="0" baseline="0" dirty="0" smtClean="0">
+                <a:ln>
+                  <a:noFill/>
+                </a:ln>
+                <a:effectLst/>
+                <a:latin typeface="Courier New" panose="02070309020205020404" pitchFamily="49" charset="0"/>
+                <a:cs typeface="Courier New" panose="02070309020205020404" pitchFamily="49" charset="0"/>
+              </a:rPr>
+              <a:t>: </a:t>
+            </a:r>
+            <a:r>
+              <a:rPr kumimoji="0" lang="ru-RU" altLang="ru-RU" sz="2000" b="1" i="0" u="none" strike="noStrike" cap="none" normalizeH="0" baseline="0" dirty="0" err="1" smtClean="0">
+                <a:ln>
+                  <a:noFill/>
+                </a:ln>
+                <a:effectLst/>
+                <a:latin typeface="Courier New" panose="02070309020205020404" pitchFamily="49" charset="0"/>
+                <a:cs typeface="Courier New" panose="02070309020205020404" pitchFamily="49" charset="0"/>
+              </a:rPr>
+              <a:t>Int</a:t>
+            </a:r>
+            <a:r>
+              <a:rPr kumimoji="0" lang="ru-RU" altLang="ru-RU" sz="2000" i="0" u="none" strike="noStrike" cap="none" normalizeH="0" baseline="0" dirty="0" smtClean="0">
+                <a:ln>
+                  <a:noFill/>
+                </a:ln>
+                <a:effectLst/>
+                <a:latin typeface="Courier New" panose="02070309020205020404" pitchFamily="49" charset="0"/>
+                <a:cs typeface="Courier New" panose="02070309020205020404" pitchFamily="49" charset="0"/>
+              </a:rPr>
+              <a:t>,</a:t>
+            </a:r>
+            <a:br>
+              <a:rPr kumimoji="0" lang="ru-RU" altLang="ru-RU" sz="2000" i="0" u="none" strike="noStrike" cap="none" normalizeH="0" baseline="0" dirty="0" smtClean="0">
+                <a:ln>
+                  <a:noFill/>
+                </a:ln>
+                <a:effectLst/>
+                <a:latin typeface="Courier New" panose="02070309020205020404" pitchFamily="49" charset="0"/>
+                <a:cs typeface="Courier New" panose="02070309020205020404" pitchFamily="49" charset="0"/>
+              </a:rPr>
+            </a:br>
+            <a:r>
+              <a:rPr kumimoji="0" lang="ru-RU" altLang="ru-RU" sz="2000" i="0" u="none" strike="noStrike" cap="none" normalizeH="0" baseline="0" dirty="0" smtClean="0">
+                <a:ln>
+                  <a:noFill/>
+                </a:ln>
+                <a:effectLst/>
+                <a:latin typeface="Courier New" panose="02070309020205020404" pitchFamily="49" charset="0"/>
+                <a:cs typeface="Courier New" panose="02070309020205020404" pitchFamily="49" charset="0"/>
+              </a:rPr>
+              <a:t>    @</a:t>
+            </a:r>
+            <a:r>
+              <a:rPr kumimoji="0" lang="ru-RU" altLang="ru-RU" sz="2000" i="0" u="none" strike="noStrike" cap="none" normalizeH="0" baseline="0" dirty="0" err="1" smtClean="0">
+                <a:ln>
+                  <a:noFill/>
+                </a:ln>
+                <a:effectLst/>
+                <a:latin typeface="Courier New" panose="02070309020205020404" pitchFamily="49" charset="0"/>
+                <a:cs typeface="Courier New" panose="02070309020205020404" pitchFamily="49" charset="0"/>
+              </a:rPr>
+              <a:t>transient</a:t>
+            </a:r>
+            <a:r>
+              <a:rPr kumimoji="0" lang="ru-RU" altLang="ru-RU" sz="2000" i="0" u="none" strike="noStrike" cap="none" normalizeH="0" baseline="0" dirty="0" smtClean="0">
+                <a:ln>
+                  <a:noFill/>
+                </a:ln>
+                <a:effectLst/>
+                <a:latin typeface="Courier New" panose="02070309020205020404" pitchFamily="49" charset="0"/>
+                <a:cs typeface="Courier New" panose="02070309020205020404" pitchFamily="49" charset="0"/>
+              </a:rPr>
+              <a:t> </a:t>
+            </a:r>
+            <a:r>
+              <a:rPr kumimoji="0" lang="ru-RU" altLang="ru-RU" sz="2000" i="0" u="none" strike="noStrike" cap="none" normalizeH="0" baseline="0" dirty="0" err="1" smtClean="0">
+                <a:ln>
+                  <a:noFill/>
+                </a:ln>
+                <a:effectLst/>
+                <a:latin typeface="Courier New" panose="02070309020205020404" pitchFamily="49" charset="0"/>
+                <a:cs typeface="Courier New" panose="02070309020205020404" pitchFamily="49" charset="0"/>
+              </a:rPr>
+              <a:t>rdd</a:t>
+            </a:r>
+            <a:r>
+              <a:rPr kumimoji="0" lang="ru-RU" altLang="ru-RU" sz="2000" i="0" u="none" strike="noStrike" cap="none" normalizeH="0" baseline="0" dirty="0" smtClean="0">
+                <a:ln>
+                  <a:noFill/>
+                </a:ln>
+                <a:effectLst/>
+                <a:latin typeface="Courier New" panose="02070309020205020404" pitchFamily="49" charset="0"/>
+                <a:cs typeface="Courier New" panose="02070309020205020404" pitchFamily="49" charset="0"/>
+              </a:rPr>
+              <a:t>: RDD[_],</a:t>
+            </a:r>
+            <a:br>
+              <a:rPr kumimoji="0" lang="ru-RU" altLang="ru-RU" sz="2000" i="0" u="none" strike="noStrike" cap="none" normalizeH="0" baseline="0" dirty="0" smtClean="0">
+                <a:ln>
+                  <a:noFill/>
+                </a:ln>
+                <a:effectLst/>
+                <a:latin typeface="Courier New" panose="02070309020205020404" pitchFamily="49" charset="0"/>
+                <a:cs typeface="Courier New" panose="02070309020205020404" pitchFamily="49" charset="0"/>
+              </a:rPr>
+            </a:br>
+            <a:r>
+              <a:rPr kumimoji="0" lang="ru-RU" altLang="ru-RU" sz="2000" i="0" u="none" strike="noStrike" cap="none" normalizeH="0" baseline="0" dirty="0" smtClean="0">
+                <a:ln>
+                  <a:noFill/>
+                </a:ln>
+                <a:effectLst/>
+                <a:latin typeface="Courier New" panose="02070309020205020404" pitchFamily="49" charset="0"/>
+                <a:cs typeface="Courier New" panose="02070309020205020404" pitchFamily="49" charset="0"/>
+              </a:rPr>
+              <a:t>    </a:t>
+            </a:r>
+            <a:r>
+              <a:rPr kumimoji="0" lang="ru-RU" altLang="ru-RU" sz="2000" b="1" i="0" u="none" strike="noStrike" cap="none" normalizeH="0" baseline="0" dirty="0" err="1" smtClean="0">
+                <a:ln>
+                  <a:noFill/>
+                </a:ln>
+                <a:effectLst/>
+                <a:latin typeface="Courier New" panose="02070309020205020404" pitchFamily="49" charset="0"/>
+                <a:cs typeface="Courier New" panose="02070309020205020404" pitchFamily="49" charset="0"/>
+              </a:rPr>
+              <a:t>parentsIndices</a:t>
+            </a:r>
+            <a:r>
+              <a:rPr kumimoji="0" lang="ru-RU" altLang="ru-RU" sz="2000" b="1" i="0" u="none" strike="noStrike" cap="none" normalizeH="0" baseline="0" dirty="0" smtClean="0">
+                <a:ln>
+                  <a:noFill/>
+                </a:ln>
+                <a:effectLst/>
+                <a:latin typeface="Courier New" panose="02070309020205020404" pitchFamily="49" charset="0"/>
+                <a:cs typeface="Courier New" panose="02070309020205020404" pitchFamily="49" charset="0"/>
+              </a:rPr>
+              <a:t>: </a:t>
+            </a:r>
+            <a:r>
+              <a:rPr kumimoji="0" lang="ru-RU" altLang="ru-RU" sz="2000" b="1" i="0" u="none" strike="noStrike" cap="none" normalizeH="0" baseline="0" dirty="0" err="1" smtClean="0">
+                <a:ln>
+                  <a:noFill/>
+                </a:ln>
+                <a:effectLst/>
+                <a:latin typeface="Courier New" panose="02070309020205020404" pitchFamily="49" charset="0"/>
+                <a:cs typeface="Courier New" panose="02070309020205020404" pitchFamily="49" charset="0"/>
+              </a:rPr>
+              <a:t>Array</a:t>
+            </a:r>
+            <a:r>
+              <a:rPr kumimoji="0" lang="ru-RU" altLang="ru-RU" sz="2000" b="1" i="0" u="none" strike="noStrike" cap="none" normalizeH="0" baseline="0" dirty="0" smtClean="0">
+                <a:ln>
+                  <a:noFill/>
+                </a:ln>
+                <a:effectLst/>
+                <a:latin typeface="Courier New" panose="02070309020205020404" pitchFamily="49" charset="0"/>
+                <a:cs typeface="Courier New" panose="02070309020205020404" pitchFamily="49" charset="0"/>
+              </a:rPr>
               <a:t>[</a:t>
             </a:r>
             <a:r>
-              <a:rPr lang="en-US" sz="2400" b="1" dirty="0" err="1"/>
-              <a:t>CoalescedRDDPartition</a:t>
-            </a:r>
-            <a:r>
-              <a:rPr lang="en-US" sz="2400" dirty="0"/>
-              <a:t>].</a:t>
-            </a:r>
-            <a:r>
-              <a:rPr lang="en-US" sz="2400" dirty="0" err="1"/>
-              <a:t>parents.iterator.flatMap</a:t>
-            </a:r>
-            <a:r>
-              <a:rPr lang="en-US" sz="2400" dirty="0"/>
-              <a:t> { </a:t>
-            </a:r>
-            <a:r>
-              <a:rPr lang="en-US" sz="2400" dirty="0" err="1"/>
-              <a:t>parentPartition</a:t>
-            </a:r>
-            <a:r>
-              <a:rPr lang="en-US" sz="2400" dirty="0"/>
-              <a:t> =&gt;</a:t>
-            </a:r>
-          </a:p>
-          <a:p>
-            <a:r>
-              <a:rPr lang="en-US" sz="2400" dirty="0"/>
-              <a:t>      </a:t>
-            </a:r>
-            <a:r>
-              <a:rPr lang="en-US" sz="2400" dirty="0" err="1"/>
-              <a:t>firstParent</a:t>
-            </a:r>
-            <a:r>
-              <a:rPr lang="en-US" sz="2400" dirty="0"/>
-              <a:t>[T].iterator(</a:t>
-            </a:r>
-            <a:r>
-              <a:rPr lang="en-US" sz="2400" dirty="0" err="1"/>
-              <a:t>parentPartition</a:t>
-            </a:r>
-            <a:r>
-              <a:rPr lang="en-US" sz="2400" dirty="0"/>
-              <a:t>, context)</a:t>
-            </a:r>
-          </a:p>
-          <a:p>
-            <a:r>
-              <a:rPr lang="en-US" sz="2400" dirty="0"/>
-              <a:t>    }</a:t>
-            </a:r>
-          </a:p>
-          <a:p>
-            <a:r>
-              <a:rPr lang="en-US" sz="2400" dirty="0"/>
-              <a:t>  }</a:t>
-            </a:r>
-            <a:endParaRPr lang="ru-RU" sz="2400" dirty="0"/>
+              <a:rPr kumimoji="0" lang="ru-RU" altLang="ru-RU" sz="2000" b="1" i="0" u="none" strike="noStrike" cap="none" normalizeH="0" baseline="0" dirty="0" err="1" smtClean="0">
+                <a:ln>
+                  <a:noFill/>
+                </a:ln>
+                <a:effectLst/>
+                <a:latin typeface="Courier New" panose="02070309020205020404" pitchFamily="49" charset="0"/>
+                <a:cs typeface="Courier New" panose="02070309020205020404" pitchFamily="49" charset="0"/>
+              </a:rPr>
+              <a:t>Int</a:t>
+            </a:r>
+            <a:r>
+              <a:rPr kumimoji="0" lang="ru-RU" altLang="ru-RU" sz="2000" b="1" i="0" u="none" strike="noStrike" cap="none" normalizeH="0" baseline="0" dirty="0" smtClean="0">
+                <a:ln>
+                  <a:noFill/>
+                </a:ln>
+                <a:effectLst/>
+                <a:latin typeface="Courier New" panose="02070309020205020404" pitchFamily="49" charset="0"/>
+                <a:cs typeface="Courier New" panose="02070309020205020404" pitchFamily="49" charset="0"/>
+              </a:rPr>
+              <a:t>],</a:t>
+            </a:r>
+            <a:r>
+              <a:rPr kumimoji="0" lang="ru-RU" altLang="ru-RU" sz="2000" i="0" u="none" strike="noStrike" cap="none" normalizeH="0" baseline="0" dirty="0" smtClean="0">
+                <a:ln>
+                  <a:noFill/>
+                </a:ln>
+                <a:effectLst/>
+                <a:latin typeface="Courier New" panose="02070309020205020404" pitchFamily="49" charset="0"/>
+                <a:cs typeface="Courier New" panose="02070309020205020404" pitchFamily="49" charset="0"/>
+              </a:rPr>
+              <a:t/>
+            </a:r>
+            <a:br>
+              <a:rPr kumimoji="0" lang="ru-RU" altLang="ru-RU" sz="2000" i="0" u="none" strike="noStrike" cap="none" normalizeH="0" baseline="0" dirty="0" smtClean="0">
+                <a:ln>
+                  <a:noFill/>
+                </a:ln>
+                <a:effectLst/>
+                <a:latin typeface="Courier New" panose="02070309020205020404" pitchFamily="49" charset="0"/>
+                <a:cs typeface="Courier New" panose="02070309020205020404" pitchFamily="49" charset="0"/>
+              </a:rPr>
+            </a:br>
+            <a:r>
+              <a:rPr kumimoji="0" lang="ru-RU" altLang="ru-RU" sz="2000" i="0" u="none" strike="noStrike" cap="none" normalizeH="0" baseline="0" dirty="0" smtClean="0">
+                <a:ln>
+                  <a:noFill/>
+                </a:ln>
+                <a:effectLst/>
+                <a:latin typeface="Courier New" panose="02070309020205020404" pitchFamily="49" charset="0"/>
+                <a:cs typeface="Courier New" panose="02070309020205020404" pitchFamily="49" charset="0"/>
+              </a:rPr>
+              <a:t>    @</a:t>
+            </a:r>
+            <a:r>
+              <a:rPr kumimoji="0" lang="ru-RU" altLang="ru-RU" sz="2000" i="0" u="none" strike="noStrike" cap="none" normalizeH="0" baseline="0" dirty="0" err="1" smtClean="0">
+                <a:ln>
+                  <a:noFill/>
+                </a:ln>
+                <a:effectLst/>
+                <a:latin typeface="Courier New" panose="02070309020205020404" pitchFamily="49" charset="0"/>
+                <a:cs typeface="Courier New" panose="02070309020205020404" pitchFamily="49" charset="0"/>
+              </a:rPr>
+              <a:t>transient</a:t>
+            </a:r>
+            <a:r>
+              <a:rPr kumimoji="0" lang="ru-RU" altLang="ru-RU" sz="2000" i="0" u="none" strike="noStrike" cap="none" normalizeH="0" baseline="0" dirty="0" smtClean="0">
+                <a:ln>
+                  <a:noFill/>
+                </a:ln>
+                <a:effectLst/>
+                <a:latin typeface="Courier New" panose="02070309020205020404" pitchFamily="49" charset="0"/>
+                <a:cs typeface="Courier New" panose="02070309020205020404" pitchFamily="49" charset="0"/>
+              </a:rPr>
+              <a:t> </a:t>
+            </a:r>
+            <a:r>
+              <a:rPr kumimoji="0" lang="ru-RU" altLang="ru-RU" sz="2000" i="0" u="none" strike="noStrike" cap="none" normalizeH="0" baseline="0" dirty="0" err="1" smtClean="0">
+                <a:ln>
+                  <a:noFill/>
+                </a:ln>
+                <a:effectLst/>
+                <a:latin typeface="Courier New" panose="02070309020205020404" pitchFamily="49" charset="0"/>
+                <a:cs typeface="Courier New" panose="02070309020205020404" pitchFamily="49" charset="0"/>
+              </a:rPr>
+              <a:t>preferredLocation</a:t>
+            </a:r>
+            <a:r>
+              <a:rPr kumimoji="0" lang="ru-RU" altLang="ru-RU" sz="2000" i="0" u="none" strike="noStrike" cap="none" normalizeH="0" baseline="0" dirty="0" smtClean="0">
+                <a:ln>
+                  <a:noFill/>
+                </a:ln>
+                <a:effectLst/>
+                <a:latin typeface="Courier New" panose="02070309020205020404" pitchFamily="49" charset="0"/>
+                <a:cs typeface="Courier New" panose="02070309020205020404" pitchFamily="49" charset="0"/>
+              </a:rPr>
+              <a:t>: </a:t>
+            </a:r>
+            <a:r>
+              <a:rPr kumimoji="0" lang="ru-RU" altLang="ru-RU" sz="2000" i="0" u="none" strike="noStrike" cap="none" normalizeH="0" baseline="0" dirty="0" err="1" smtClean="0">
+                <a:ln>
+                  <a:noFill/>
+                </a:ln>
+                <a:effectLst/>
+                <a:latin typeface="Courier New" panose="02070309020205020404" pitchFamily="49" charset="0"/>
+                <a:cs typeface="Courier New" panose="02070309020205020404" pitchFamily="49" charset="0"/>
+              </a:rPr>
+              <a:t>Option</a:t>
+            </a:r>
+            <a:r>
+              <a:rPr kumimoji="0" lang="ru-RU" altLang="ru-RU" sz="2000" i="0" u="none" strike="noStrike" cap="none" normalizeH="0" baseline="0" dirty="0" smtClean="0">
+                <a:ln>
+                  <a:noFill/>
+                </a:ln>
+                <a:effectLst/>
+                <a:latin typeface="Courier New" panose="02070309020205020404" pitchFamily="49" charset="0"/>
+                <a:cs typeface="Courier New" panose="02070309020205020404" pitchFamily="49" charset="0"/>
+              </a:rPr>
+              <a:t>[</a:t>
+            </a:r>
+            <a:r>
+              <a:rPr kumimoji="0" lang="ru-RU" altLang="ru-RU" sz="2000" i="0" u="none" strike="noStrike" cap="none" normalizeH="0" baseline="0" dirty="0" err="1" smtClean="0">
+                <a:ln>
+                  <a:noFill/>
+                </a:ln>
+                <a:effectLst/>
+                <a:latin typeface="Courier New" panose="02070309020205020404" pitchFamily="49" charset="0"/>
+                <a:cs typeface="Courier New" panose="02070309020205020404" pitchFamily="49" charset="0"/>
+              </a:rPr>
+              <a:t>String</a:t>
+            </a:r>
+            <a:r>
+              <a:rPr kumimoji="0" lang="ru-RU" altLang="ru-RU" sz="2000" i="0" u="none" strike="noStrike" cap="none" normalizeH="0" baseline="0" dirty="0" smtClean="0">
+                <a:ln>
+                  <a:noFill/>
+                </a:ln>
+                <a:effectLst/>
+                <a:latin typeface="Courier New" panose="02070309020205020404" pitchFamily="49" charset="0"/>
+                <a:cs typeface="Courier New" panose="02070309020205020404" pitchFamily="49" charset="0"/>
+              </a:rPr>
+              <a:t>] = </a:t>
+            </a:r>
+            <a:r>
+              <a:rPr kumimoji="0" lang="ru-RU" altLang="ru-RU" sz="2000" i="0" u="none" strike="noStrike" cap="none" normalizeH="0" baseline="0" dirty="0" err="1" smtClean="0">
+                <a:ln>
+                  <a:noFill/>
+                </a:ln>
+                <a:effectLst/>
+                <a:latin typeface="Courier New" panose="02070309020205020404" pitchFamily="49" charset="0"/>
+                <a:cs typeface="Courier New" panose="02070309020205020404" pitchFamily="49" charset="0"/>
+              </a:rPr>
+              <a:t>None</a:t>
+            </a:r>
+            <a:r>
+              <a:rPr kumimoji="0" lang="ru-RU" altLang="ru-RU" sz="2000" i="0" u="none" strike="noStrike" cap="none" normalizeH="0" baseline="0" dirty="0" smtClean="0">
+                <a:ln>
+                  <a:noFill/>
+                </a:ln>
+                <a:effectLst/>
+                <a:latin typeface="Courier New" panose="02070309020205020404" pitchFamily="49" charset="0"/>
+                <a:cs typeface="Courier New" panose="02070309020205020404" pitchFamily="49" charset="0"/>
+              </a:rPr>
+              <a:t>) </a:t>
+            </a:r>
+            <a:r>
+              <a:rPr kumimoji="0" lang="ru-RU" altLang="ru-RU" sz="2000" i="0" u="none" strike="noStrike" cap="none" normalizeH="0" baseline="0" dirty="0" err="1" smtClean="0">
+                <a:ln>
+                  <a:noFill/>
+                </a:ln>
+                <a:effectLst/>
+                <a:latin typeface="Courier New" panose="02070309020205020404" pitchFamily="49" charset="0"/>
+                <a:cs typeface="Courier New" panose="02070309020205020404" pitchFamily="49" charset="0"/>
+              </a:rPr>
+              <a:t>extends</a:t>
+            </a:r>
+            <a:r>
+              <a:rPr kumimoji="0" lang="ru-RU" altLang="ru-RU" sz="2000" i="0" u="none" strike="noStrike" cap="none" normalizeH="0" baseline="0" dirty="0" smtClean="0">
+                <a:ln>
+                  <a:noFill/>
+                </a:ln>
+                <a:effectLst/>
+                <a:latin typeface="Courier New" panose="02070309020205020404" pitchFamily="49" charset="0"/>
+                <a:cs typeface="Courier New" panose="02070309020205020404" pitchFamily="49" charset="0"/>
+              </a:rPr>
+              <a:t> </a:t>
+            </a:r>
+            <a:r>
+              <a:rPr kumimoji="0" lang="ru-RU" altLang="ru-RU" sz="2000" i="0" u="none" strike="noStrike" cap="none" normalizeH="0" baseline="0" dirty="0" err="1" smtClean="0">
+                <a:ln>
+                  <a:noFill/>
+                </a:ln>
+                <a:effectLst/>
+                <a:latin typeface="Courier New" panose="02070309020205020404" pitchFamily="49" charset="0"/>
+                <a:cs typeface="Courier New" panose="02070309020205020404" pitchFamily="49" charset="0"/>
+              </a:rPr>
+              <a:t>Partition</a:t>
+            </a:r>
+            <a:r>
+              <a:rPr kumimoji="0" lang="ru-RU" altLang="ru-RU" sz="2000" i="0" u="none" strike="noStrike" cap="none" normalizeH="0" baseline="0" dirty="0" smtClean="0">
+                <a:ln>
+                  <a:noFill/>
+                </a:ln>
+                <a:effectLst/>
+                <a:latin typeface="Courier New" panose="02070309020205020404" pitchFamily="49" charset="0"/>
+                <a:cs typeface="Courier New" panose="02070309020205020404" pitchFamily="49" charset="0"/>
+              </a:rPr>
+              <a:t> {</a:t>
+            </a:r>
+            <a:br>
+              <a:rPr kumimoji="0" lang="ru-RU" altLang="ru-RU" sz="2000" i="0" u="none" strike="noStrike" cap="none" normalizeH="0" baseline="0" dirty="0" smtClean="0">
+                <a:ln>
+                  <a:noFill/>
+                </a:ln>
+                <a:effectLst/>
+                <a:latin typeface="Courier New" panose="02070309020205020404" pitchFamily="49" charset="0"/>
+                <a:cs typeface="Courier New" panose="02070309020205020404" pitchFamily="49" charset="0"/>
+              </a:rPr>
+            </a:br>
+            <a:r>
+              <a:rPr kumimoji="0" lang="ru-RU" altLang="ru-RU" sz="2000" i="0" u="none" strike="noStrike" cap="none" normalizeH="0" baseline="0" dirty="0" smtClean="0">
+                <a:ln>
+                  <a:noFill/>
+                </a:ln>
+                <a:effectLst/>
+                <a:latin typeface="Courier New" panose="02070309020205020404" pitchFamily="49" charset="0"/>
+                <a:cs typeface="Courier New" panose="02070309020205020404" pitchFamily="49" charset="0"/>
+              </a:rPr>
+              <a:t>  </a:t>
+            </a:r>
+            <a:endParaRPr kumimoji="0" lang="en-US" altLang="ru-RU" sz="2000" i="0" u="none" strike="noStrike" cap="none" normalizeH="0" baseline="0" dirty="0" smtClean="0">
+              <a:ln>
+                <a:noFill/>
+              </a:ln>
+              <a:effectLst/>
+              <a:latin typeface="Courier New" panose="02070309020205020404" pitchFamily="49" charset="0"/>
+              <a:cs typeface="Courier New" panose="02070309020205020404" pitchFamily="49" charset="0"/>
+            </a:endParaRPr>
+          </a:p>
+          <a:p>
+            <a:pPr marL="0" marR="0" lvl="0" indent="0" algn="l" defTabSz="914400" rtl="0" eaLnBrk="0" fontAlgn="base" latinLnBrk="0" hangingPunct="0">
+              <a:lnSpc>
+                <a:spcPct val="100000"/>
+              </a:lnSpc>
+              <a:spcBef>
+                <a:spcPct val="0"/>
+              </a:spcBef>
+              <a:spcAft>
+                <a:spcPct val="0"/>
+              </a:spcAft>
+              <a:buClrTx/>
+              <a:buSzTx/>
+              <a:buFontTx/>
+              <a:buNone/>
+              <a:tabLst/>
+            </a:pPr>
+            <a:r>
+              <a:rPr kumimoji="0" lang="ru-RU" altLang="ru-RU" sz="2000" i="0" u="none" strike="noStrike" cap="none" normalizeH="0" baseline="0" dirty="0" err="1" smtClean="0">
+                <a:ln>
+                  <a:noFill/>
+                </a:ln>
+                <a:effectLst/>
+                <a:latin typeface="Courier New" panose="02070309020205020404" pitchFamily="49" charset="0"/>
+                <a:cs typeface="Courier New" panose="02070309020205020404" pitchFamily="49" charset="0"/>
+              </a:rPr>
+              <a:t>var</a:t>
+            </a:r>
+            <a:r>
+              <a:rPr kumimoji="0" lang="ru-RU" altLang="ru-RU" sz="2000" i="0" u="none" strike="noStrike" cap="none" normalizeH="0" baseline="0" dirty="0" smtClean="0">
+                <a:ln>
+                  <a:noFill/>
+                </a:ln>
+                <a:effectLst/>
+                <a:latin typeface="Courier New" panose="02070309020205020404" pitchFamily="49" charset="0"/>
+                <a:cs typeface="Courier New" panose="02070309020205020404" pitchFamily="49" charset="0"/>
+              </a:rPr>
+              <a:t> </a:t>
+            </a:r>
+            <a:r>
+              <a:rPr kumimoji="0" lang="ru-RU" altLang="ru-RU" sz="2000" b="1" i="1" u="none" strike="noStrike" cap="none" normalizeH="0" baseline="0" dirty="0" err="1" smtClean="0">
+                <a:ln>
+                  <a:noFill/>
+                </a:ln>
+                <a:effectLst/>
+                <a:latin typeface="Courier New" panose="02070309020205020404" pitchFamily="49" charset="0"/>
+                <a:cs typeface="Courier New" panose="02070309020205020404" pitchFamily="49" charset="0"/>
+              </a:rPr>
+              <a:t>parents</a:t>
+            </a:r>
+            <a:r>
+              <a:rPr kumimoji="0" lang="ru-RU" altLang="ru-RU" sz="2000" b="1" i="0" u="none" strike="noStrike" cap="none" normalizeH="0" baseline="0" dirty="0" smtClean="0">
+                <a:ln>
+                  <a:noFill/>
+                </a:ln>
+                <a:effectLst/>
+                <a:latin typeface="Courier New" panose="02070309020205020404" pitchFamily="49" charset="0"/>
+                <a:cs typeface="Courier New" panose="02070309020205020404" pitchFamily="49" charset="0"/>
+              </a:rPr>
+              <a:t>: </a:t>
+            </a:r>
+            <a:r>
+              <a:rPr kumimoji="0" lang="ru-RU" altLang="ru-RU" sz="2000" b="1" i="0" u="none" strike="noStrike" cap="none" normalizeH="0" baseline="0" dirty="0" err="1" smtClean="0">
+                <a:ln>
+                  <a:noFill/>
+                </a:ln>
+                <a:effectLst/>
+                <a:latin typeface="Courier New" panose="02070309020205020404" pitchFamily="49" charset="0"/>
+                <a:cs typeface="Courier New" panose="02070309020205020404" pitchFamily="49" charset="0"/>
+              </a:rPr>
+              <a:t>Seq</a:t>
+            </a:r>
+            <a:r>
+              <a:rPr kumimoji="0" lang="ru-RU" altLang="ru-RU" sz="2000" b="1" i="0" u="none" strike="noStrike" cap="none" normalizeH="0" baseline="0" dirty="0" smtClean="0">
+                <a:ln>
+                  <a:noFill/>
+                </a:ln>
+                <a:effectLst/>
+                <a:latin typeface="Courier New" panose="02070309020205020404" pitchFamily="49" charset="0"/>
+                <a:cs typeface="Courier New" panose="02070309020205020404" pitchFamily="49" charset="0"/>
+              </a:rPr>
+              <a:t>[</a:t>
+            </a:r>
+            <a:r>
+              <a:rPr kumimoji="0" lang="ru-RU" altLang="ru-RU" sz="2000" b="1" i="0" u="none" strike="noStrike" cap="none" normalizeH="0" baseline="0" dirty="0" err="1" smtClean="0">
+                <a:ln>
+                  <a:noFill/>
+                </a:ln>
+                <a:effectLst/>
+                <a:latin typeface="Courier New" panose="02070309020205020404" pitchFamily="49" charset="0"/>
+                <a:cs typeface="Courier New" panose="02070309020205020404" pitchFamily="49" charset="0"/>
+              </a:rPr>
+              <a:t>Partition</a:t>
+            </a:r>
+            <a:r>
+              <a:rPr kumimoji="0" lang="ru-RU" altLang="ru-RU" sz="2000" b="1" i="0" u="none" strike="noStrike" cap="none" normalizeH="0" baseline="0" dirty="0" smtClean="0">
+                <a:ln>
+                  <a:noFill/>
+                </a:ln>
+                <a:effectLst/>
+                <a:latin typeface="Courier New" panose="02070309020205020404" pitchFamily="49" charset="0"/>
+                <a:cs typeface="Courier New" panose="02070309020205020404" pitchFamily="49" charset="0"/>
+              </a:rPr>
+              <a:t>] = </a:t>
+            </a:r>
+            <a:r>
+              <a:rPr kumimoji="0" lang="ru-RU" altLang="ru-RU" sz="2000" b="1" i="0" u="none" strike="noStrike" cap="none" normalizeH="0" baseline="0" dirty="0" err="1" smtClean="0">
+                <a:ln>
+                  <a:noFill/>
+                </a:ln>
+                <a:effectLst/>
+                <a:latin typeface="Courier New" panose="02070309020205020404" pitchFamily="49" charset="0"/>
+                <a:cs typeface="Courier New" panose="02070309020205020404" pitchFamily="49" charset="0"/>
+              </a:rPr>
+              <a:t>parentsIndices.map</a:t>
+            </a:r>
+            <a:r>
+              <a:rPr kumimoji="0" lang="ru-RU" altLang="ru-RU" sz="2000" b="1" i="0" u="none" strike="noStrike" cap="none" normalizeH="0" baseline="0" dirty="0" smtClean="0">
+                <a:ln>
+                  <a:noFill/>
+                </a:ln>
+                <a:effectLst/>
+                <a:latin typeface="Courier New" panose="02070309020205020404" pitchFamily="49" charset="0"/>
+                <a:cs typeface="Courier New" panose="02070309020205020404" pitchFamily="49" charset="0"/>
+              </a:rPr>
+              <a:t>(</a:t>
+            </a:r>
+            <a:r>
+              <a:rPr kumimoji="0" lang="ru-RU" altLang="ru-RU" sz="2000" b="1" i="0" u="none" strike="noStrike" cap="none" normalizeH="0" baseline="0" dirty="0" err="1" smtClean="0">
+                <a:ln>
+                  <a:noFill/>
+                </a:ln>
+                <a:effectLst/>
+                <a:latin typeface="Courier New" panose="02070309020205020404" pitchFamily="49" charset="0"/>
+                <a:cs typeface="Courier New" panose="02070309020205020404" pitchFamily="49" charset="0"/>
+              </a:rPr>
+              <a:t>rdd.partitions</a:t>
+            </a:r>
+            <a:r>
+              <a:rPr kumimoji="0" lang="ru-RU" altLang="ru-RU" sz="2000" b="1" i="0" u="none" strike="noStrike" cap="none" normalizeH="0" baseline="0" dirty="0" smtClean="0">
+                <a:ln>
+                  <a:noFill/>
+                </a:ln>
+                <a:effectLst/>
+                <a:latin typeface="Courier New" panose="02070309020205020404" pitchFamily="49" charset="0"/>
+                <a:cs typeface="Courier New" panose="02070309020205020404" pitchFamily="49" charset="0"/>
+              </a:rPr>
+              <a:t>(_))</a:t>
+            </a:r>
+            <a:br>
+              <a:rPr kumimoji="0" lang="ru-RU" altLang="ru-RU" sz="2000" b="1" i="0" u="none" strike="noStrike" cap="none" normalizeH="0" baseline="0" dirty="0" smtClean="0">
+                <a:ln>
+                  <a:noFill/>
+                </a:ln>
+                <a:effectLst/>
+                <a:latin typeface="Courier New" panose="02070309020205020404" pitchFamily="49" charset="0"/>
+                <a:cs typeface="Courier New" panose="02070309020205020404" pitchFamily="49" charset="0"/>
+              </a:rPr>
+            </a:br>
+            <a:r>
+              <a:rPr kumimoji="0" lang="ru-RU" altLang="ru-RU" sz="2000" i="0" u="none" strike="noStrike" cap="none" normalizeH="0" baseline="0" dirty="0" smtClean="0">
+                <a:ln>
+                  <a:noFill/>
+                </a:ln>
+                <a:effectLst/>
+                <a:latin typeface="Courier New" panose="02070309020205020404" pitchFamily="49" charset="0"/>
+                <a:cs typeface="Courier New" panose="02070309020205020404" pitchFamily="49" charset="0"/>
+              </a:rPr>
+              <a:t/>
+            </a:r>
+            <a:br>
+              <a:rPr kumimoji="0" lang="ru-RU" altLang="ru-RU" sz="2000" i="0" u="none" strike="noStrike" cap="none" normalizeH="0" baseline="0" dirty="0" smtClean="0">
+                <a:ln>
+                  <a:noFill/>
+                </a:ln>
+                <a:effectLst/>
+                <a:latin typeface="Courier New" panose="02070309020205020404" pitchFamily="49" charset="0"/>
+                <a:cs typeface="Courier New" panose="02070309020205020404" pitchFamily="49" charset="0"/>
+              </a:rPr>
+            </a:br>
+            <a:r>
+              <a:rPr kumimoji="0" lang="en-US" altLang="ru-RU" sz="2000" i="0" u="none" strike="noStrike" cap="none" normalizeH="0" baseline="0" dirty="0" smtClean="0">
+                <a:ln>
+                  <a:noFill/>
+                </a:ln>
+                <a:effectLst/>
+                <a:latin typeface="Courier New" panose="02070309020205020404" pitchFamily="49" charset="0"/>
+                <a:cs typeface="Courier New" panose="02070309020205020404" pitchFamily="49" charset="0"/>
+              </a:rPr>
+              <a:t>…</a:t>
+            </a:r>
+            <a:r>
+              <a:rPr kumimoji="0" lang="ru-RU" altLang="ru-RU" sz="2000" i="0" u="none" strike="noStrike" cap="none" normalizeH="0" baseline="0" dirty="0" smtClean="0">
+                <a:ln>
+                  <a:noFill/>
+                </a:ln>
+                <a:effectLst/>
+                <a:latin typeface="Courier New" panose="02070309020205020404" pitchFamily="49" charset="0"/>
+                <a:cs typeface="Courier New" panose="02070309020205020404" pitchFamily="49" charset="0"/>
+              </a:rPr>
+              <a:t/>
+            </a:r>
+            <a:br>
+              <a:rPr kumimoji="0" lang="ru-RU" altLang="ru-RU" sz="2000" i="0" u="none" strike="noStrike" cap="none" normalizeH="0" baseline="0" dirty="0" smtClean="0">
+                <a:ln>
+                  <a:noFill/>
+                </a:ln>
+                <a:effectLst/>
+                <a:latin typeface="Courier New" panose="02070309020205020404" pitchFamily="49" charset="0"/>
+                <a:cs typeface="Courier New" panose="02070309020205020404" pitchFamily="49" charset="0"/>
+              </a:rPr>
+            </a:br>
+            <a:r>
+              <a:rPr kumimoji="0" lang="ru-RU" altLang="ru-RU" sz="2000" i="0" u="none" strike="noStrike" cap="none" normalizeH="0" baseline="0" dirty="0" smtClean="0">
+                <a:ln>
+                  <a:noFill/>
+                </a:ln>
+                <a:effectLst/>
+                <a:latin typeface="Courier New" panose="02070309020205020404" pitchFamily="49" charset="0"/>
+                <a:cs typeface="Courier New" panose="02070309020205020404" pitchFamily="49" charset="0"/>
+              </a:rPr>
+              <a:t>}</a:t>
+            </a:r>
+            <a:endParaRPr kumimoji="0" lang="ru-RU" altLang="ru-RU" sz="2000" i="0" u="none" strike="noStrike" cap="none" normalizeH="0" baseline="0" dirty="0" smtClean="0">
+              <a:ln>
+                <a:noFill/>
+              </a:ln>
+              <a:effectLst/>
+              <a:latin typeface="Arial" panose="020B0604020202020204" pitchFamily="34" charset="0"/>
+            </a:endParaRPr>
           </a:p>
         </p:txBody>
       </p:sp>
     </p:spTree>
     <p:extLst>
       <p:ext uri="{BB962C8B-B14F-4D97-AF65-F5344CB8AC3E}">
-        <p14:creationId xmlns:p14="http://schemas.microsoft.com/office/powerpoint/2010/main" val="328741349"/>
+        <p14:creationId xmlns:p14="http://schemas.microsoft.com/office/powerpoint/2010/main" val="1858710812"/>
       </p:ext>
     </p:extLst>
   </p:cSld>
@@ -3698,8 +4424,8 @@
         </p:nvSpPr>
         <p:spPr>
           <a:xfrm>
-            <a:off x="0" y="0"/>
-            <a:ext cx="12191999" cy="1325563"/>
+            <a:off x="0" y="3175"/>
+            <a:ext cx="12192000" cy="1325563"/>
           </a:xfrm>
         </p:spPr>
         <p:txBody>
@@ -3721,14 +4447,14 @@
       </p:sp>
       <p:sp>
         <p:nvSpPr>
-          <p:cNvPr id="5" name="Прямоугольник 4"/>
+          <p:cNvPr id="6" name="Прямоугольник 5"/>
           <p:cNvSpPr/>
           <p:nvPr/>
         </p:nvSpPr>
         <p:spPr>
           <a:xfrm>
-            <a:off x="270164" y="1997839"/>
-            <a:ext cx="11741727" cy="3970318"/>
+            <a:off x="0" y="2274838"/>
+            <a:ext cx="12095018" cy="1938992"/>
           </a:xfrm>
           <a:prstGeom prst="rect">
             <a:avLst/>
@@ -3741,207 +4467,113 @@
           <a:lstStyle/>
           <a:p>
             <a:r>
-              <a:rPr lang="en-US" sz="2800" dirty="0"/>
+              <a:rPr lang="en-US" sz="2400" dirty="0"/>
               <a:t> override </a:t>
             </a:r>
             <a:r>
-              <a:rPr lang="en-US" sz="2800" dirty="0" err="1"/>
+              <a:rPr lang="en-US" sz="2400" dirty="0" err="1" smtClean="0"/>
               <a:t>def</a:t>
             </a:r>
             <a:r>
-              <a:rPr lang="en-US" sz="2800" dirty="0"/>
+              <a:rPr lang="en-US" sz="2400" dirty="0" smtClean="0"/>
               <a:t> </a:t>
             </a:r>
             <a:r>
-              <a:rPr lang="en-US" sz="2800" b="1" dirty="0" err="1"/>
-              <a:t>getPartitions</a:t>
-            </a:r>
-            <a:r>
-              <a:rPr lang="en-US" sz="2800" b="1" dirty="0"/>
-              <a:t>: Array[Partition] </a:t>
-            </a:r>
-            <a:r>
-              <a:rPr lang="en-US" sz="2800" dirty="0"/>
-              <a:t>= {</a:t>
-            </a:r>
-          </a:p>
-          <a:p>
-            <a:r>
-              <a:rPr lang="en-US" sz="2800" dirty="0"/>
+              <a:rPr lang="en-US" sz="2400" b="1" dirty="0"/>
+              <a:t>compute(partition: Partition, context: </a:t>
+            </a:r>
+            <a:r>
+              <a:rPr lang="en-US" sz="2400" b="1" dirty="0" err="1"/>
+              <a:t>TaskContext</a:t>
+            </a:r>
+            <a:r>
+              <a:rPr lang="en-US" sz="2400" b="1" dirty="0"/>
+              <a:t>): Iterator[T]</a:t>
+            </a:r>
+            <a:r>
+              <a:rPr lang="en-US" sz="2400" dirty="0"/>
+              <a:t> = {</a:t>
+            </a:r>
+          </a:p>
+          <a:p>
+            <a:r>
+              <a:rPr lang="en-US" sz="2400" dirty="0"/>
               <a:t>    </a:t>
             </a:r>
             <a:r>
-              <a:rPr lang="en-US" sz="2800" dirty="0" err="1"/>
-              <a:t>val</a:t>
-            </a:r>
-            <a:r>
-              <a:rPr lang="en-US" sz="2800" dirty="0"/>
-              <a:t> pc = </a:t>
-            </a:r>
-            <a:r>
-              <a:rPr lang="en-US" sz="2800" dirty="0" err="1"/>
-              <a:t>partitionCoalescer.getOrElse</a:t>
-            </a:r>
-            <a:r>
-              <a:rPr lang="en-US" sz="2800" dirty="0"/>
-              <a:t>(new </a:t>
-            </a:r>
-            <a:r>
-              <a:rPr lang="en-US" sz="2800" dirty="0" err="1"/>
-              <a:t>DefaultPartitionCoalescer</a:t>
-            </a:r>
-            <a:r>
-              <a:rPr lang="en-US" sz="2800" dirty="0"/>
-              <a:t>())</a:t>
-            </a:r>
-          </a:p>
-          <a:p>
-            <a:endParaRPr lang="en-US" sz="2800" dirty="0"/>
-          </a:p>
-          <a:p>
-            <a:r>
-              <a:rPr lang="en-US" sz="2800" dirty="0"/>
-              <a:t>    </a:t>
-            </a:r>
-            <a:r>
-              <a:rPr lang="en-US" sz="2800" dirty="0" err="1"/>
-              <a:t>pc.coalesce</a:t>
-            </a:r>
-            <a:r>
-              <a:rPr lang="en-US" sz="2800" dirty="0"/>
-              <a:t>(</a:t>
-            </a:r>
-            <a:r>
-              <a:rPr lang="en-US" sz="2800" dirty="0" err="1"/>
-              <a:t>maxPartitions</a:t>
-            </a:r>
-            <a:r>
-              <a:rPr lang="en-US" sz="2800" dirty="0"/>
-              <a:t>, </a:t>
-            </a:r>
-            <a:r>
-              <a:rPr lang="en-US" sz="2800" dirty="0" err="1"/>
-              <a:t>prev</a:t>
-            </a:r>
-            <a:r>
-              <a:rPr lang="en-US" sz="2800" dirty="0"/>
-              <a:t>).</a:t>
-            </a:r>
-            <a:r>
-              <a:rPr lang="en-US" sz="2800" dirty="0" err="1"/>
-              <a:t>zipWithIndex.map</a:t>
-            </a:r>
-            <a:r>
-              <a:rPr lang="en-US" sz="2800" dirty="0"/>
-              <a:t> {</a:t>
-            </a:r>
-          </a:p>
-          <a:p>
-            <a:r>
-              <a:rPr lang="en-US" sz="2800" dirty="0"/>
-              <a:t>      case (</a:t>
-            </a:r>
-            <a:r>
-              <a:rPr lang="en-US" sz="2800" dirty="0" err="1"/>
-              <a:t>pg</a:t>
-            </a:r>
-            <a:r>
-              <a:rPr lang="en-US" sz="2800" dirty="0"/>
-              <a:t>, </a:t>
-            </a:r>
-            <a:r>
-              <a:rPr lang="en-US" sz="2800" dirty="0" err="1"/>
-              <a:t>i</a:t>
-            </a:r>
-            <a:r>
-              <a:rPr lang="en-US" sz="2800" dirty="0"/>
-              <a:t>) =&gt;</a:t>
-            </a:r>
-          </a:p>
-          <a:p>
-            <a:r>
-              <a:rPr lang="en-US" sz="2800" dirty="0"/>
-              <a:t>        </a:t>
-            </a:r>
-            <a:r>
-              <a:rPr lang="en-US" sz="2800" dirty="0" err="1"/>
-              <a:t>val</a:t>
-            </a:r>
-            <a:r>
-              <a:rPr lang="en-US" sz="2800" dirty="0"/>
-              <a:t> ids = </a:t>
-            </a:r>
-            <a:r>
-              <a:rPr lang="en-US" sz="2800" dirty="0" err="1"/>
-              <a:t>pg.partitions.map</a:t>
-            </a:r>
-            <a:r>
-              <a:rPr lang="en-US" sz="2800" dirty="0"/>
-              <a:t>(_.index).</a:t>
-            </a:r>
-            <a:r>
-              <a:rPr lang="en-US" sz="2800" dirty="0" err="1"/>
-              <a:t>toArray</a:t>
-            </a:r>
-            <a:endParaRPr lang="en-US" sz="2800" dirty="0"/>
-          </a:p>
-          <a:p>
-            <a:r>
-              <a:rPr lang="en-US" sz="2800" dirty="0"/>
-              <a:t>        </a:t>
-            </a:r>
-            <a:r>
-              <a:rPr lang="en-US" sz="2800" dirty="0" err="1"/>
+              <a:rPr lang="en-US" sz="2400" dirty="0" err="1"/>
+              <a:t>partition.asInstanceOf</a:t>
+            </a:r>
+            <a:r>
+              <a:rPr lang="en-US" sz="2400" dirty="0"/>
+              <a:t>[</a:t>
+            </a:r>
+            <a:r>
+              <a:rPr lang="en-US" sz="2400" b="1" dirty="0" err="1"/>
               <a:t>CoalescedRDDPartition</a:t>
             </a:r>
             <a:r>
-              <a:rPr lang="en-US" sz="2800" dirty="0"/>
-              <a:t>(</a:t>
-            </a:r>
-            <a:r>
-              <a:rPr lang="en-US" sz="2800" dirty="0" err="1"/>
-              <a:t>i</a:t>
-            </a:r>
-            <a:r>
-              <a:rPr lang="en-US" sz="2800" dirty="0"/>
-              <a:t>, </a:t>
-            </a:r>
-            <a:r>
-              <a:rPr lang="en-US" sz="2800" dirty="0" err="1"/>
-              <a:t>prev</a:t>
-            </a:r>
-            <a:r>
-              <a:rPr lang="en-US" sz="2800" dirty="0"/>
-              <a:t>, ids, </a:t>
-            </a:r>
-            <a:r>
-              <a:rPr lang="en-US" sz="2800" dirty="0" err="1"/>
-              <a:t>pg.prefLoc</a:t>
-            </a:r>
-            <a:r>
-              <a:rPr lang="en-US" sz="2800" dirty="0"/>
-              <a:t>)</a:t>
-            </a:r>
-          </a:p>
-          <a:p>
-            <a:r>
-              <a:rPr lang="en-US" sz="2800" dirty="0"/>
+              <a:rPr lang="en-US" sz="2400" dirty="0"/>
+              <a:t>].</a:t>
+            </a:r>
+            <a:r>
+              <a:rPr lang="en-US" sz="2400" dirty="0" err="1"/>
+              <a:t>parents.iterator.flatMap</a:t>
+            </a:r>
+            <a:r>
+              <a:rPr lang="en-US" sz="2400" dirty="0"/>
+              <a:t> { </a:t>
+            </a:r>
+            <a:r>
+              <a:rPr lang="en-US" sz="2400" dirty="0" err="1"/>
+              <a:t>parentPartition</a:t>
+            </a:r>
+            <a:r>
+              <a:rPr lang="en-US" sz="2400" dirty="0"/>
+              <a:t> =&gt;</a:t>
+            </a:r>
+          </a:p>
+          <a:p>
+            <a:r>
+              <a:rPr lang="en-US" sz="2400" dirty="0"/>
+              <a:t>      </a:t>
+            </a:r>
+            <a:r>
+              <a:rPr lang="en-US" sz="2400" dirty="0" err="1"/>
+              <a:t>firstParent</a:t>
+            </a:r>
+            <a:r>
+              <a:rPr lang="en-US" sz="2400" dirty="0"/>
+              <a:t>[T].iterator(</a:t>
+            </a:r>
+            <a:r>
+              <a:rPr lang="en-US" sz="2400" dirty="0" err="1"/>
+              <a:t>parentPartition</a:t>
+            </a:r>
+            <a:r>
+              <a:rPr lang="en-US" sz="2400" dirty="0"/>
+              <a:t>, context)</a:t>
+            </a:r>
+          </a:p>
+          <a:p>
+            <a:r>
+              <a:rPr lang="en-US" sz="2400" dirty="0"/>
               <a:t>    }</a:t>
             </a:r>
           </a:p>
           <a:p>
             <a:r>
-              <a:rPr lang="en-US" sz="2800" dirty="0"/>
+              <a:rPr lang="en-US" sz="2400" dirty="0"/>
               <a:t>  }</a:t>
             </a:r>
-            <a:endParaRPr lang="ru-RU" sz="2800" dirty="0"/>
+            <a:endParaRPr lang="ru-RU" sz="2400" dirty="0"/>
           </a:p>
         </p:txBody>
       </p:sp>
     </p:spTree>
     <p:extLst>
       <p:ext uri="{BB962C8B-B14F-4D97-AF65-F5344CB8AC3E}">
-        <p14:creationId xmlns:p14="http://schemas.microsoft.com/office/powerpoint/2010/main" val="2833091044"/>
+        <p14:creationId xmlns:p14="http://schemas.microsoft.com/office/powerpoint/2010/main" val="328741349"/>
       </p:ext>
     </p:extLst>
   </p:cSld>
@@ -3988,7 +4620,7 @@
         <p:spPr>
           <a:xfrm>
             <a:off x="0" y="0"/>
-            <a:ext cx="12192000" cy="1325563"/>
+            <a:ext cx="12191999" cy="1325563"/>
           </a:xfrm>
         </p:spPr>
         <p:txBody>
@@ -4002,7 +4634,7 @@
             </a:r>
             <a:r>
               <a:rPr lang="en-US" dirty="0" err="1" smtClean="0"/>
-              <a:t>DefaultPartitionCoalescer</a:t>
+              <a:t>CoalescedRDD</a:t>
             </a:r>
             <a:endParaRPr lang="ru-RU" dirty="0"/>
           </a:p>
@@ -4010,381 +4642,247 @@
       </p:sp>
       <p:sp>
         <p:nvSpPr>
-          <p:cNvPr id="4" name="Rectangle 1"/>
-          <p:cNvSpPr>
-            <a:spLocks noGrp="1" noChangeArrowheads="1"/>
-          </p:cNvSpPr>
-          <p:nvPr>
-            <p:ph idx="1"/>
-          </p:nvPr>
+          <p:cNvPr id="5" name="Прямоугольник 4"/>
+          <p:cNvSpPr/>
+          <p:nvPr/>
         </p:nvSpPr>
-        <p:spPr bwMode="auto">
+        <p:spPr>
           <a:xfrm>
-            <a:off x="78968" y="2304316"/>
-            <a:ext cx="12113032" cy="3539430"/>
+            <a:off x="270164" y="1997839"/>
+            <a:ext cx="11741727" cy="3970318"/>
           </a:xfrm>
           <a:prstGeom prst="rect">
             <a:avLst/>
           </a:prstGeom>
-          <a:noFill/>
-          <a:ln>
-            <a:noFill/>
-          </a:ln>
-          <a:effectLst/>
         </p:spPr>
         <p:txBody>
-          <a:bodyPr vert="horz" wrap="square" lIns="91440" tIns="45720" rIns="91440" bIns="45720" numCol="1" anchor="ctr" anchorCtr="0" compatLnSpc="1">
-            <a:prstTxWarp prst="textNoShape">
-              <a:avLst/>
-            </a:prstTxWarp>
+          <a:bodyPr wrap="square">
             <a:spAutoFit/>
           </a:bodyPr>
           <a:lstStyle/>
           <a:p>
-            <a:pPr marL="0" marR="0" lvl="0" indent="0" algn="l" defTabSz="914400" rtl="0" eaLnBrk="0" fontAlgn="base" latinLnBrk="0" hangingPunct="0">
-              <a:lnSpc>
-                <a:spcPct val="100000"/>
-              </a:lnSpc>
-              <a:spcBef>
-                <a:spcPct val="0"/>
-              </a:spcBef>
-              <a:spcAft>
-                <a:spcPct val="0"/>
-              </a:spcAft>
-              <a:buClrTx/>
-              <a:buSzTx/>
-              <a:buFontTx/>
-              <a:buNone/>
-              <a:tabLst/>
-            </a:pPr>
-            <a:r>
-              <a:rPr lang="ru-RU" altLang="ru-RU" dirty="0" err="1"/>
+            <a:r>
+              <a:rPr lang="en-US" sz="2800" dirty="0"/>
+              <a:t> override </a:t>
+            </a:r>
+            <a:r>
+              <a:rPr lang="en-US" sz="2800" dirty="0" err="1"/>
               <a:t>def</a:t>
             </a:r>
             <a:r>
-              <a:rPr lang="ru-RU" altLang="ru-RU" dirty="0"/>
+              <a:rPr lang="en-US" sz="2800" dirty="0"/>
               <a:t> </a:t>
             </a:r>
             <a:r>
-              <a:rPr lang="ru-RU" altLang="ru-RU" b="1" dirty="0" err="1"/>
-              <a:t>coalesce</a:t>
-            </a:r>
-            <a:r>
-              <a:rPr lang="ru-RU" altLang="ru-RU" b="1" dirty="0"/>
+              <a:rPr lang="en-US" sz="2800" b="1" dirty="0" err="1"/>
+              <a:t>getPartitions</a:t>
+            </a:r>
+            <a:r>
+              <a:rPr lang="en-US" sz="2800" b="1" dirty="0"/>
+              <a:t>: Array[Partition] </a:t>
+            </a:r>
+            <a:r>
+              <a:rPr lang="en-US" sz="2800" dirty="0"/>
+              <a:t>= {</a:t>
+            </a:r>
+          </a:p>
+          <a:p>
+            <a:r>
+              <a:rPr lang="en-US" sz="2800" dirty="0"/>
+              <a:t>    </a:t>
+            </a:r>
+            <a:r>
+              <a:rPr lang="en-US" sz="2800" dirty="0" err="1"/>
+              <a:t>val</a:t>
+            </a:r>
+            <a:r>
+              <a:rPr lang="en-US" sz="2800" dirty="0"/>
+              <a:t> pc = </a:t>
+            </a:r>
+            <a:r>
+              <a:rPr lang="en-US" sz="2800" b="1" dirty="0" err="1"/>
+              <a:t>partitionCoalescer</a:t>
+            </a:r>
+            <a:r>
+              <a:rPr lang="en-US" sz="2800" dirty="0" err="1"/>
+              <a:t>.getOrElse</a:t>
+            </a:r>
+            <a:r>
+              <a:rPr lang="en-US" sz="2800" dirty="0"/>
+              <a:t>(new </a:t>
+            </a:r>
+            <a:r>
+              <a:rPr lang="en-US" sz="2800" b="1" dirty="0" err="1"/>
+              <a:t>DefaultPartitionCoalescer</a:t>
+            </a:r>
+            <a:r>
+              <a:rPr lang="en-US" sz="2800" dirty="0"/>
+              <a:t>())</a:t>
+            </a:r>
+          </a:p>
+          <a:p>
+            <a:endParaRPr lang="en-US" sz="2800" dirty="0"/>
+          </a:p>
+          <a:p>
+            <a:r>
+              <a:rPr lang="en-US" sz="2800" dirty="0"/>
+              <a:t>    </a:t>
+            </a:r>
+            <a:r>
+              <a:rPr lang="en-US" sz="2800" dirty="0" err="1"/>
+              <a:t>pc.coalesce</a:t>
+            </a:r>
+            <a:r>
+              <a:rPr lang="en-US" sz="2800" dirty="0"/>
               <a:t>(</a:t>
             </a:r>
             <a:r>
-              <a:rPr lang="ru-RU" altLang="ru-RU" b="1" dirty="0" err="1"/>
+              <a:rPr lang="en-US" sz="2800" dirty="0" err="1"/>
               <a:t>maxPartitions</a:t>
             </a:r>
             <a:r>
-              <a:rPr lang="ru-RU" altLang="ru-RU" b="1" dirty="0"/>
-              <a:t>: </a:t>
-            </a:r>
-            <a:r>
-              <a:rPr lang="ru-RU" altLang="ru-RU" b="1" dirty="0" err="1"/>
-              <a:t>Int</a:t>
-            </a:r>
-            <a:r>
-              <a:rPr lang="ru-RU" altLang="ru-RU" b="1" dirty="0"/>
+              <a:rPr lang="en-US" sz="2800" dirty="0"/>
               <a:t>, </a:t>
             </a:r>
             <a:r>
-              <a:rPr lang="ru-RU" altLang="ru-RU" b="1" dirty="0" err="1"/>
+              <a:rPr lang="en-US" sz="2800" dirty="0" err="1"/>
               <a:t>prev</a:t>
             </a:r>
             <a:r>
-              <a:rPr lang="ru-RU" altLang="ru-RU" b="1" dirty="0"/>
-              <a:t>: RDD[_]): </a:t>
-            </a:r>
-            <a:r>
-              <a:rPr lang="ru-RU" altLang="ru-RU" b="1" dirty="0" err="1"/>
-              <a:t>Array</a:t>
-            </a:r>
-            <a:r>
-              <a:rPr lang="ru-RU" altLang="ru-RU" b="1" dirty="0"/>
-              <a:t>[</a:t>
-            </a:r>
-            <a:r>
-              <a:rPr lang="ru-RU" altLang="ru-RU" b="1" dirty="0" err="1"/>
-              <a:t>PartitionGroup</a:t>
-            </a:r>
-            <a:r>
-              <a:rPr lang="ru-RU" altLang="ru-RU" dirty="0"/>
-              <a:t>] = {</a:t>
-            </a:r>
-            <a:br>
-              <a:rPr lang="ru-RU" altLang="ru-RU" dirty="0"/>
-            </a:br>
-            <a:r>
-              <a:rPr lang="ru-RU" altLang="ru-RU" dirty="0"/>
-              <a:t>  </a:t>
-            </a:r>
-            <a:r>
-              <a:rPr lang="ru-RU" altLang="ru-RU" b="1" dirty="0" err="1"/>
+              <a:rPr lang="en-US" sz="2800" dirty="0"/>
+              <a:t>).</a:t>
+            </a:r>
+            <a:r>
+              <a:rPr lang="en-US" sz="2800" dirty="0" err="1"/>
+              <a:t>zipWithIndex.map</a:t>
+            </a:r>
+            <a:r>
+              <a:rPr lang="en-US" sz="2800" dirty="0"/>
+              <a:t> {</a:t>
+            </a:r>
+          </a:p>
+          <a:p>
+            <a:r>
+              <a:rPr lang="en-US" sz="2800" dirty="0"/>
+              <a:t>      case (</a:t>
+            </a:r>
+            <a:r>
+              <a:rPr lang="en-US" sz="2800" b="1" dirty="0" err="1"/>
+              <a:t>pg</a:t>
+            </a:r>
+            <a:r>
+              <a:rPr lang="en-US" sz="2800" dirty="0"/>
+              <a:t>, </a:t>
+            </a:r>
+            <a:r>
+              <a:rPr lang="en-US" sz="2800" dirty="0" err="1"/>
+              <a:t>i</a:t>
+            </a:r>
+            <a:r>
+              <a:rPr lang="en-US" sz="2800" dirty="0"/>
+              <a:t>) =&gt;</a:t>
+            </a:r>
+          </a:p>
+          <a:p>
+            <a:r>
+              <a:rPr lang="en-US" sz="2800" dirty="0"/>
+              <a:t>        </a:t>
+            </a:r>
+            <a:r>
+              <a:rPr lang="en-US" sz="2800" dirty="0" err="1"/>
               <a:t>val</a:t>
             </a:r>
             <a:r>
-              <a:rPr lang="ru-RU" altLang="ru-RU" b="1" dirty="0"/>
+              <a:rPr lang="en-US" sz="2800" dirty="0"/>
               <a:t> </a:t>
             </a:r>
             <a:r>
-              <a:rPr lang="ru-RU" altLang="ru-RU" b="1" dirty="0" err="1"/>
-              <a:t>partitionLocs</a:t>
-            </a:r>
-            <a:r>
-              <a:rPr lang="ru-RU" altLang="ru-RU" b="1" dirty="0"/>
+              <a:rPr lang="en-US" sz="2800" b="1" dirty="0"/>
+              <a:t>ids</a:t>
+            </a:r>
+            <a:r>
+              <a:rPr lang="en-US" sz="2800" dirty="0"/>
               <a:t> = </a:t>
             </a:r>
             <a:r>
-              <a:rPr lang="ru-RU" altLang="ru-RU" b="1" dirty="0" err="1"/>
-              <a:t>new</a:t>
-            </a:r>
-            <a:r>
-              <a:rPr lang="ru-RU" altLang="ru-RU" b="1" dirty="0"/>
-              <a:t> </a:t>
-            </a:r>
-            <a:r>
-              <a:rPr lang="ru-RU" altLang="ru-RU" b="1" dirty="0" err="1"/>
-              <a:t>PartitionLocations</a:t>
-            </a:r>
-            <a:r>
-              <a:rPr lang="ru-RU" altLang="ru-RU" b="1" dirty="0"/>
+              <a:rPr lang="en-US" sz="2800" dirty="0" err="1"/>
+              <a:t>pg.partitions.map</a:t>
+            </a:r>
+            <a:r>
+              <a:rPr lang="en-US" sz="2800" dirty="0"/>
+              <a:t>(_.index).</a:t>
+            </a:r>
+            <a:r>
+              <a:rPr lang="en-US" sz="2800" dirty="0" err="1"/>
+              <a:t>toArray</a:t>
+            </a:r>
+            <a:endParaRPr lang="en-US" sz="2800" dirty="0"/>
+          </a:p>
+          <a:p>
+            <a:r>
+              <a:rPr lang="en-US" sz="2800" dirty="0"/>
+              <a:t>        </a:t>
+            </a:r>
+            <a:r>
+              <a:rPr lang="en-US" sz="2800" dirty="0" err="1"/>
+              <a:t>CoalescedRDDPartition</a:t>
+            </a:r>
+            <a:r>
+              <a:rPr lang="en-US" sz="2800" dirty="0"/>
               <a:t>(</a:t>
             </a:r>
             <a:r>
-              <a:rPr lang="ru-RU" altLang="ru-RU" b="1" dirty="0" err="1"/>
+              <a:rPr lang="en-US" sz="2800" dirty="0" err="1"/>
+              <a:t>i</a:t>
+            </a:r>
+            <a:r>
+              <a:rPr lang="en-US" sz="2800" dirty="0"/>
+              <a:t>, </a:t>
+            </a:r>
+            <a:r>
+              <a:rPr lang="en-US" sz="2800" dirty="0" err="1"/>
               <a:t>prev</a:t>
             </a:r>
             <a:r>
-              <a:rPr lang="ru-RU" altLang="ru-RU" b="1" dirty="0"/>
+              <a:rPr lang="en-US" sz="2800" dirty="0"/>
+              <a:t>, </a:t>
+            </a:r>
+            <a:r>
+              <a:rPr lang="en-US" sz="2800" b="1" dirty="0"/>
+              <a:t>ids</a:t>
+            </a:r>
+            <a:r>
+              <a:rPr lang="en-US" sz="2800" dirty="0"/>
+              <a:t>, </a:t>
+            </a:r>
+            <a:r>
+              <a:rPr lang="en-US" sz="2800" dirty="0" err="1"/>
+              <a:t>pg.prefLoc</a:t>
+            </a:r>
+            <a:r>
+              <a:rPr lang="en-US" sz="2800" dirty="0"/>
               <a:t>)</a:t>
             </a:r>
-            <a:br>
-              <a:rPr lang="ru-RU" altLang="ru-RU" b="1" dirty="0"/>
-            </a:br>
-            <a:r>
-              <a:rPr lang="ru-RU" altLang="ru-RU" dirty="0"/>
-              <a:t>  // </a:t>
-            </a:r>
-            <a:r>
-              <a:rPr lang="ru-RU" altLang="ru-RU" b="1" dirty="0" err="1"/>
-              <a:t>setup</a:t>
-            </a:r>
-            <a:r>
-              <a:rPr lang="ru-RU" altLang="ru-RU" b="1" dirty="0"/>
-              <a:t> </a:t>
-            </a:r>
-            <a:r>
-              <a:rPr lang="ru-RU" altLang="ru-RU" b="1" dirty="0" err="1"/>
-              <a:t>the</a:t>
-            </a:r>
-            <a:r>
-              <a:rPr lang="ru-RU" altLang="ru-RU" b="1" dirty="0"/>
-              <a:t> </a:t>
-            </a:r>
-            <a:r>
-              <a:rPr lang="ru-RU" altLang="ru-RU" b="1" dirty="0" err="1"/>
-              <a:t>groups</a:t>
-            </a:r>
-            <a:r>
-              <a:rPr lang="ru-RU" altLang="ru-RU" b="1" dirty="0"/>
-              <a:t> (</a:t>
-            </a:r>
-            <a:r>
-              <a:rPr lang="ru-RU" altLang="ru-RU" b="1" dirty="0" err="1"/>
-              <a:t>bins</a:t>
-            </a:r>
-            <a:r>
-              <a:rPr lang="ru-RU" altLang="ru-RU" b="1" dirty="0"/>
-              <a:t>)</a:t>
-            </a:r>
-            <a:br>
-              <a:rPr lang="ru-RU" altLang="ru-RU" b="1" dirty="0"/>
-            </a:br>
-            <a:r>
-              <a:rPr lang="ru-RU" altLang="ru-RU" dirty="0"/>
-              <a:t>  </a:t>
-            </a:r>
-            <a:r>
-              <a:rPr lang="ru-RU" altLang="ru-RU" b="1" dirty="0" err="1"/>
-              <a:t>setupGroups</a:t>
-            </a:r>
-            <a:r>
-              <a:rPr lang="ru-RU" altLang="ru-RU" dirty="0"/>
-              <a:t>(</a:t>
-            </a:r>
-            <a:r>
-              <a:rPr lang="ru-RU" altLang="ru-RU" dirty="0" err="1"/>
-              <a:t>math.min</a:t>
-            </a:r>
-            <a:r>
-              <a:rPr lang="ru-RU" altLang="ru-RU" dirty="0"/>
-              <a:t>(</a:t>
-            </a:r>
-            <a:r>
-              <a:rPr lang="ru-RU" altLang="ru-RU" dirty="0" err="1"/>
-              <a:t>prev.partitions.length</a:t>
-            </a:r>
-            <a:r>
-              <a:rPr lang="ru-RU" altLang="ru-RU" dirty="0"/>
-              <a:t>, </a:t>
-            </a:r>
-            <a:r>
-              <a:rPr lang="ru-RU" altLang="ru-RU" dirty="0" err="1"/>
-              <a:t>maxPartitions</a:t>
-            </a:r>
-            <a:r>
-              <a:rPr lang="ru-RU" altLang="ru-RU" dirty="0"/>
-              <a:t>), </a:t>
-            </a:r>
-            <a:r>
-              <a:rPr lang="ru-RU" altLang="ru-RU" dirty="0" err="1"/>
-              <a:t>partitionLocs</a:t>
-            </a:r>
-            <a:r>
-              <a:rPr lang="ru-RU" altLang="ru-RU" dirty="0"/>
-              <a:t>)</a:t>
-            </a:r>
-            <a:br>
-              <a:rPr lang="ru-RU" altLang="ru-RU" dirty="0"/>
-            </a:br>
-            <a:r>
-              <a:rPr lang="ru-RU" altLang="ru-RU" dirty="0"/>
-              <a:t>  // </a:t>
-            </a:r>
-            <a:r>
-              <a:rPr lang="ru-RU" altLang="ru-RU" b="1" dirty="0" err="1"/>
-              <a:t>assign</a:t>
-            </a:r>
-            <a:r>
-              <a:rPr lang="ru-RU" altLang="ru-RU" b="1" dirty="0"/>
-              <a:t> </a:t>
-            </a:r>
-            <a:r>
-              <a:rPr lang="ru-RU" altLang="ru-RU" b="1" dirty="0" err="1"/>
-              <a:t>partitions</a:t>
-            </a:r>
-            <a:r>
-              <a:rPr lang="ru-RU" altLang="ru-RU" b="1" dirty="0"/>
-              <a:t> (</a:t>
-            </a:r>
-            <a:r>
-              <a:rPr lang="ru-RU" altLang="ru-RU" b="1" dirty="0" err="1"/>
-              <a:t>balls</a:t>
-            </a:r>
-            <a:r>
-              <a:rPr lang="ru-RU" altLang="ru-RU" b="1" dirty="0"/>
-              <a:t>) </a:t>
-            </a:r>
-            <a:r>
-              <a:rPr lang="ru-RU" altLang="ru-RU" b="1" dirty="0" err="1"/>
-              <a:t>to</a:t>
-            </a:r>
-            <a:r>
-              <a:rPr lang="ru-RU" altLang="ru-RU" b="1" dirty="0"/>
-              <a:t> </a:t>
-            </a:r>
-            <a:r>
-              <a:rPr lang="ru-RU" altLang="ru-RU" b="1" dirty="0" err="1"/>
-              <a:t>each</a:t>
-            </a:r>
-            <a:r>
-              <a:rPr lang="ru-RU" altLang="ru-RU" b="1" dirty="0"/>
-              <a:t> </a:t>
-            </a:r>
-            <a:r>
-              <a:rPr lang="ru-RU" altLang="ru-RU" b="1" dirty="0" err="1"/>
-              <a:t>group</a:t>
-            </a:r>
-            <a:r>
-              <a:rPr lang="ru-RU" altLang="ru-RU" b="1" dirty="0"/>
-              <a:t> (</a:t>
-            </a:r>
-            <a:r>
-              <a:rPr lang="ru-RU" altLang="ru-RU" b="1" dirty="0" err="1"/>
-              <a:t>bins</a:t>
-            </a:r>
-            <a:r>
-              <a:rPr lang="ru-RU" altLang="ru-RU" b="1" dirty="0"/>
-              <a:t>)</a:t>
-            </a:r>
-            <a:br>
-              <a:rPr lang="ru-RU" altLang="ru-RU" b="1" dirty="0"/>
-            </a:br>
-            <a:r>
-              <a:rPr lang="ru-RU" altLang="ru-RU" b="1" dirty="0"/>
-              <a:t>  </a:t>
-            </a:r>
-            <a:r>
-              <a:rPr lang="ru-RU" altLang="ru-RU" b="1" dirty="0" err="1"/>
-              <a:t>throwBalls</a:t>
-            </a:r>
-            <a:r>
-              <a:rPr lang="ru-RU" altLang="ru-RU" dirty="0"/>
-              <a:t>(</a:t>
-            </a:r>
-            <a:r>
-              <a:rPr lang="ru-RU" altLang="ru-RU" dirty="0" err="1"/>
-              <a:t>maxPartitions</a:t>
-            </a:r>
-            <a:r>
-              <a:rPr lang="ru-RU" altLang="ru-RU" dirty="0"/>
-              <a:t>, </a:t>
-            </a:r>
-            <a:r>
-              <a:rPr lang="ru-RU" altLang="ru-RU" dirty="0" err="1"/>
-              <a:t>prev</a:t>
-            </a:r>
-            <a:r>
-              <a:rPr lang="ru-RU" altLang="ru-RU" dirty="0"/>
-              <a:t>, </a:t>
-            </a:r>
-            <a:r>
-              <a:rPr lang="ru-RU" altLang="ru-RU" dirty="0" err="1"/>
-              <a:t>balanceSlack</a:t>
-            </a:r>
-            <a:r>
-              <a:rPr lang="ru-RU" altLang="ru-RU" dirty="0"/>
-              <a:t>, </a:t>
-            </a:r>
-            <a:r>
-              <a:rPr lang="ru-RU" altLang="ru-RU" dirty="0" err="1"/>
-              <a:t>partitionLocs</a:t>
-            </a:r>
-            <a:r>
-              <a:rPr lang="ru-RU" altLang="ru-RU" dirty="0"/>
-              <a:t>)</a:t>
-            </a:r>
-            <a:br>
-              <a:rPr lang="ru-RU" altLang="ru-RU" dirty="0"/>
-            </a:br>
-            <a:r>
-              <a:rPr lang="ru-RU" altLang="ru-RU" dirty="0"/>
-              <a:t>  </a:t>
-            </a:r>
-            <a:r>
-              <a:rPr lang="ru-RU" altLang="ru-RU" dirty="0" err="1"/>
-              <a:t>getPartitions</a:t>
-            </a:r>
-            <a:r>
-              <a:rPr lang="ru-RU" altLang="ru-RU" dirty="0"/>
-              <a:t/>
-            </a:r>
-            <a:br>
-              <a:rPr lang="ru-RU" altLang="ru-RU" dirty="0"/>
-            </a:br>
-            <a:r>
-              <a:rPr lang="ru-RU" altLang="ru-RU" dirty="0"/>
-              <a:t>}</a:t>
-            </a:r>
+          </a:p>
+          <a:p>
+            <a:r>
+              <a:rPr lang="en-US" sz="2800" dirty="0"/>
+              <a:t>    }</a:t>
+            </a:r>
+          </a:p>
+          <a:p>
+            <a:r>
+              <a:rPr lang="en-US" sz="2800" dirty="0"/>
+              <a:t>  }</a:t>
+            </a:r>
+            <a:endParaRPr lang="ru-RU" sz="2800" dirty="0"/>
           </a:p>
         </p:txBody>
       </p:sp>
     </p:spTree>
     <p:extLst>
       <p:ext uri="{BB962C8B-B14F-4D97-AF65-F5344CB8AC3E}">
-        <p14:creationId xmlns:p14="http://schemas.microsoft.com/office/powerpoint/2010/main" val="474550135"/>
+        <p14:creationId xmlns:p14="http://schemas.microsoft.com/office/powerpoint/2010/main" val="2833091044"/>
       </p:ext>
     </p:extLst>
   </p:cSld>
@@ -4428,6 +4926,449 @@
             <p:ph type="title"/>
           </p:nvPr>
         </p:nvSpPr>
+        <p:spPr>
+          <a:xfrm>
+            <a:off x="0" y="0"/>
+            <a:ext cx="12192000" cy="1325563"/>
+          </a:xfrm>
+        </p:spPr>
+        <p:txBody>
+          <a:bodyPr/>
+          <a:lstStyle/>
+          <a:p>
+            <a:pPr algn="ctr"/>
+            <a:r>
+              <a:rPr lang="en-US" dirty="0" smtClean="0"/>
+              <a:t>Class </a:t>
+            </a:r>
+            <a:r>
+              <a:rPr lang="en-US" b="1" dirty="0" err="1" smtClean="0"/>
+              <a:t>DefaultPartitionCoalescer</a:t>
+            </a:r>
+            <a:endParaRPr lang="ru-RU" b="1" dirty="0"/>
+          </a:p>
+        </p:txBody>
+      </p:sp>
+      <p:sp>
+        <p:nvSpPr>
+          <p:cNvPr id="4" name="Rectangle 1"/>
+          <p:cNvSpPr>
+            <a:spLocks noGrp="1" noChangeArrowheads="1"/>
+          </p:cNvSpPr>
+          <p:nvPr>
+            <p:ph idx="1"/>
+          </p:nvPr>
+        </p:nvSpPr>
+        <p:spPr bwMode="auto">
+          <a:xfrm>
+            <a:off x="78968" y="2304316"/>
+            <a:ext cx="12113032" cy="3539430"/>
+          </a:xfrm>
+          <a:prstGeom prst="rect">
+            <a:avLst/>
+          </a:prstGeom>
+          <a:noFill/>
+          <a:ln>
+            <a:noFill/>
+          </a:ln>
+          <a:effectLst/>
+        </p:spPr>
+        <p:txBody>
+          <a:bodyPr vert="horz" wrap="square" lIns="91440" tIns="45720" rIns="91440" bIns="45720" numCol="1" anchor="ctr" anchorCtr="0" compatLnSpc="1">
+            <a:prstTxWarp prst="textNoShape">
+              <a:avLst/>
+            </a:prstTxWarp>
+            <a:spAutoFit/>
+          </a:bodyPr>
+          <a:lstStyle/>
+          <a:p>
+            <a:pPr marL="0" marR="0" lvl="0" indent="0" algn="l" defTabSz="914400" rtl="0" eaLnBrk="0" fontAlgn="base" latinLnBrk="0" hangingPunct="0">
+              <a:lnSpc>
+                <a:spcPct val="100000"/>
+              </a:lnSpc>
+              <a:spcBef>
+                <a:spcPct val="0"/>
+              </a:spcBef>
+              <a:spcAft>
+                <a:spcPct val="0"/>
+              </a:spcAft>
+              <a:buClrTx/>
+              <a:buSzTx/>
+              <a:buFontTx/>
+              <a:buNone/>
+              <a:tabLst/>
+            </a:pPr>
+            <a:r>
+              <a:rPr lang="ru-RU" altLang="ru-RU" dirty="0" err="1"/>
+              <a:t>def</a:t>
+            </a:r>
+            <a:r>
+              <a:rPr lang="ru-RU" altLang="ru-RU" dirty="0"/>
+              <a:t> </a:t>
+            </a:r>
+            <a:r>
+              <a:rPr lang="ru-RU" altLang="ru-RU" b="1" dirty="0" err="1"/>
+              <a:t>coalesce</a:t>
+            </a:r>
+            <a:r>
+              <a:rPr lang="ru-RU" altLang="ru-RU" b="1" dirty="0"/>
+              <a:t>(</a:t>
+            </a:r>
+            <a:r>
+              <a:rPr lang="ru-RU" altLang="ru-RU" b="1" dirty="0" err="1"/>
+              <a:t>maxPartitions</a:t>
+            </a:r>
+            <a:r>
+              <a:rPr lang="ru-RU" altLang="ru-RU" b="1" dirty="0"/>
+              <a:t>: </a:t>
+            </a:r>
+            <a:r>
+              <a:rPr lang="ru-RU" altLang="ru-RU" b="1" dirty="0" err="1"/>
+              <a:t>Int</a:t>
+            </a:r>
+            <a:r>
+              <a:rPr lang="ru-RU" altLang="ru-RU" b="1" dirty="0"/>
+              <a:t>, </a:t>
+            </a:r>
+            <a:r>
+              <a:rPr lang="ru-RU" altLang="ru-RU" b="1" dirty="0" err="1"/>
+              <a:t>prev</a:t>
+            </a:r>
+            <a:r>
+              <a:rPr lang="ru-RU" altLang="ru-RU" b="1" dirty="0"/>
+              <a:t>: RDD[_]): </a:t>
+            </a:r>
+            <a:r>
+              <a:rPr lang="ru-RU" altLang="ru-RU" b="1" dirty="0" err="1"/>
+              <a:t>Array</a:t>
+            </a:r>
+            <a:r>
+              <a:rPr lang="ru-RU" altLang="ru-RU" b="1" dirty="0"/>
+              <a:t>[</a:t>
+            </a:r>
+            <a:r>
+              <a:rPr lang="ru-RU" altLang="ru-RU" b="1" dirty="0" err="1"/>
+              <a:t>PartitionGroup</a:t>
+            </a:r>
+            <a:r>
+              <a:rPr lang="ru-RU" altLang="ru-RU" dirty="0"/>
+              <a:t>] = {</a:t>
+            </a:r>
+            <a:br>
+              <a:rPr lang="ru-RU" altLang="ru-RU" dirty="0"/>
+            </a:br>
+            <a:r>
+              <a:rPr lang="ru-RU" altLang="ru-RU" dirty="0"/>
+              <a:t>  </a:t>
+            </a:r>
+            <a:r>
+              <a:rPr lang="ru-RU" altLang="ru-RU" b="1" dirty="0" err="1"/>
+              <a:t>val</a:t>
+            </a:r>
+            <a:r>
+              <a:rPr lang="ru-RU" altLang="ru-RU" b="1" dirty="0"/>
+              <a:t> </a:t>
+            </a:r>
+            <a:r>
+              <a:rPr lang="ru-RU" altLang="ru-RU" b="1" dirty="0" err="1"/>
+              <a:t>partitionLocs</a:t>
+            </a:r>
+            <a:r>
+              <a:rPr lang="ru-RU" altLang="ru-RU" b="1" dirty="0"/>
+              <a:t> = </a:t>
+            </a:r>
+            <a:r>
+              <a:rPr lang="ru-RU" altLang="ru-RU" b="1" dirty="0" err="1"/>
+              <a:t>new</a:t>
+            </a:r>
+            <a:r>
+              <a:rPr lang="ru-RU" altLang="ru-RU" b="1" dirty="0"/>
+              <a:t> </a:t>
+            </a:r>
+            <a:r>
+              <a:rPr lang="ru-RU" altLang="ru-RU" b="1" dirty="0" err="1"/>
+              <a:t>PartitionLocations</a:t>
+            </a:r>
+            <a:r>
+              <a:rPr lang="ru-RU" altLang="ru-RU" b="1" dirty="0"/>
+              <a:t>(</a:t>
+            </a:r>
+            <a:r>
+              <a:rPr lang="ru-RU" altLang="ru-RU" b="1" dirty="0" err="1"/>
+              <a:t>prev</a:t>
+            </a:r>
+            <a:r>
+              <a:rPr lang="ru-RU" altLang="ru-RU" b="1" dirty="0"/>
+              <a:t>)</a:t>
+            </a:r>
+            <a:br>
+              <a:rPr lang="ru-RU" altLang="ru-RU" b="1" dirty="0"/>
+            </a:br>
+            <a:r>
+              <a:rPr lang="ru-RU" altLang="ru-RU" dirty="0"/>
+              <a:t>  // </a:t>
+            </a:r>
+            <a:r>
+              <a:rPr lang="ru-RU" altLang="ru-RU" b="1" dirty="0" err="1"/>
+              <a:t>setup</a:t>
+            </a:r>
+            <a:r>
+              <a:rPr lang="ru-RU" altLang="ru-RU" b="1" dirty="0"/>
+              <a:t> </a:t>
+            </a:r>
+            <a:r>
+              <a:rPr lang="ru-RU" altLang="ru-RU" b="1" dirty="0" err="1"/>
+              <a:t>the</a:t>
+            </a:r>
+            <a:r>
+              <a:rPr lang="ru-RU" altLang="ru-RU" b="1" dirty="0"/>
+              <a:t> </a:t>
+            </a:r>
+            <a:r>
+              <a:rPr lang="ru-RU" altLang="ru-RU" b="1" dirty="0" err="1"/>
+              <a:t>groups</a:t>
+            </a:r>
+            <a:r>
+              <a:rPr lang="ru-RU" altLang="ru-RU" b="1" dirty="0"/>
+              <a:t> (</a:t>
+            </a:r>
+            <a:r>
+              <a:rPr lang="ru-RU" altLang="ru-RU" b="1" dirty="0" err="1"/>
+              <a:t>bins</a:t>
+            </a:r>
+            <a:r>
+              <a:rPr lang="ru-RU" altLang="ru-RU" b="1" dirty="0"/>
+              <a:t>)</a:t>
+            </a:r>
+            <a:br>
+              <a:rPr lang="ru-RU" altLang="ru-RU" b="1" dirty="0"/>
+            </a:br>
+            <a:r>
+              <a:rPr lang="ru-RU" altLang="ru-RU" dirty="0"/>
+              <a:t>  </a:t>
+            </a:r>
+            <a:r>
+              <a:rPr lang="ru-RU" altLang="ru-RU" b="1" dirty="0" err="1"/>
+              <a:t>setupGroups</a:t>
+            </a:r>
+            <a:r>
+              <a:rPr lang="ru-RU" altLang="ru-RU" dirty="0"/>
+              <a:t>(</a:t>
+            </a:r>
+            <a:r>
+              <a:rPr lang="ru-RU" altLang="ru-RU" dirty="0" err="1"/>
+              <a:t>math.min</a:t>
+            </a:r>
+            <a:r>
+              <a:rPr lang="ru-RU" altLang="ru-RU" dirty="0"/>
+              <a:t>(</a:t>
+            </a:r>
+            <a:r>
+              <a:rPr lang="ru-RU" altLang="ru-RU" dirty="0" err="1"/>
+              <a:t>prev.partitions.length</a:t>
+            </a:r>
+            <a:r>
+              <a:rPr lang="ru-RU" altLang="ru-RU" dirty="0"/>
+              <a:t>, </a:t>
+            </a:r>
+            <a:r>
+              <a:rPr lang="ru-RU" altLang="ru-RU" dirty="0" err="1"/>
+              <a:t>maxPartitions</a:t>
+            </a:r>
+            <a:r>
+              <a:rPr lang="ru-RU" altLang="ru-RU" dirty="0"/>
+              <a:t>), </a:t>
+            </a:r>
+            <a:r>
+              <a:rPr lang="ru-RU" altLang="ru-RU" dirty="0" err="1"/>
+              <a:t>partitionLocs</a:t>
+            </a:r>
+            <a:r>
+              <a:rPr lang="ru-RU" altLang="ru-RU" dirty="0"/>
+              <a:t>)</a:t>
+            </a:r>
+            <a:br>
+              <a:rPr lang="ru-RU" altLang="ru-RU" dirty="0"/>
+            </a:br>
+            <a:r>
+              <a:rPr lang="ru-RU" altLang="ru-RU" dirty="0"/>
+              <a:t>  // </a:t>
+            </a:r>
+            <a:r>
+              <a:rPr lang="ru-RU" altLang="ru-RU" b="1" dirty="0" err="1"/>
+              <a:t>assign</a:t>
+            </a:r>
+            <a:r>
+              <a:rPr lang="ru-RU" altLang="ru-RU" b="1" dirty="0"/>
+              <a:t> </a:t>
+            </a:r>
+            <a:r>
+              <a:rPr lang="ru-RU" altLang="ru-RU" b="1" dirty="0" err="1"/>
+              <a:t>partitions</a:t>
+            </a:r>
+            <a:r>
+              <a:rPr lang="ru-RU" altLang="ru-RU" b="1" dirty="0"/>
+              <a:t> (</a:t>
+            </a:r>
+            <a:r>
+              <a:rPr lang="ru-RU" altLang="ru-RU" b="1" dirty="0" err="1"/>
+              <a:t>balls</a:t>
+            </a:r>
+            <a:r>
+              <a:rPr lang="ru-RU" altLang="ru-RU" b="1" dirty="0"/>
+              <a:t>) </a:t>
+            </a:r>
+            <a:r>
+              <a:rPr lang="ru-RU" altLang="ru-RU" b="1" dirty="0" err="1"/>
+              <a:t>to</a:t>
+            </a:r>
+            <a:r>
+              <a:rPr lang="ru-RU" altLang="ru-RU" b="1" dirty="0"/>
+              <a:t> </a:t>
+            </a:r>
+            <a:r>
+              <a:rPr lang="ru-RU" altLang="ru-RU" b="1" dirty="0" err="1"/>
+              <a:t>each</a:t>
+            </a:r>
+            <a:r>
+              <a:rPr lang="ru-RU" altLang="ru-RU" b="1" dirty="0"/>
+              <a:t> </a:t>
+            </a:r>
+            <a:r>
+              <a:rPr lang="ru-RU" altLang="ru-RU" b="1" dirty="0" err="1"/>
+              <a:t>group</a:t>
+            </a:r>
+            <a:r>
+              <a:rPr lang="ru-RU" altLang="ru-RU" b="1" dirty="0"/>
+              <a:t> (</a:t>
+            </a:r>
+            <a:r>
+              <a:rPr lang="ru-RU" altLang="ru-RU" b="1" dirty="0" err="1"/>
+              <a:t>bins</a:t>
+            </a:r>
+            <a:r>
+              <a:rPr lang="ru-RU" altLang="ru-RU" b="1" dirty="0"/>
+              <a:t>)</a:t>
+            </a:r>
+            <a:br>
+              <a:rPr lang="ru-RU" altLang="ru-RU" b="1" dirty="0"/>
+            </a:br>
+            <a:r>
+              <a:rPr lang="ru-RU" altLang="ru-RU" b="1" dirty="0"/>
+              <a:t>  </a:t>
+            </a:r>
+            <a:r>
+              <a:rPr lang="ru-RU" altLang="ru-RU" b="1" dirty="0" err="1"/>
+              <a:t>throwBalls</a:t>
+            </a:r>
+            <a:r>
+              <a:rPr lang="ru-RU" altLang="ru-RU" dirty="0"/>
+              <a:t>(</a:t>
+            </a:r>
+            <a:r>
+              <a:rPr lang="ru-RU" altLang="ru-RU" dirty="0" err="1"/>
+              <a:t>maxPartitions</a:t>
+            </a:r>
+            <a:r>
+              <a:rPr lang="ru-RU" altLang="ru-RU" dirty="0"/>
+              <a:t>, </a:t>
+            </a:r>
+            <a:r>
+              <a:rPr lang="ru-RU" altLang="ru-RU" dirty="0" err="1"/>
+              <a:t>prev</a:t>
+            </a:r>
+            <a:r>
+              <a:rPr lang="ru-RU" altLang="ru-RU" dirty="0"/>
+              <a:t>, </a:t>
+            </a:r>
+            <a:r>
+              <a:rPr lang="ru-RU" altLang="ru-RU" dirty="0" err="1"/>
+              <a:t>balanceSlack</a:t>
+            </a:r>
+            <a:r>
+              <a:rPr lang="ru-RU" altLang="ru-RU" dirty="0"/>
+              <a:t>, </a:t>
+            </a:r>
+            <a:r>
+              <a:rPr lang="ru-RU" altLang="ru-RU" dirty="0" err="1"/>
+              <a:t>partitionLocs</a:t>
+            </a:r>
+            <a:r>
+              <a:rPr lang="ru-RU" altLang="ru-RU" dirty="0"/>
+              <a:t>)</a:t>
+            </a:r>
+            <a:br>
+              <a:rPr lang="ru-RU" altLang="ru-RU" dirty="0"/>
+            </a:br>
+            <a:r>
+              <a:rPr lang="ru-RU" altLang="ru-RU" dirty="0"/>
+              <a:t>  </a:t>
+            </a:r>
+            <a:r>
+              <a:rPr lang="ru-RU" altLang="ru-RU" dirty="0" err="1"/>
+              <a:t>getPartitions</a:t>
+            </a:r>
+            <a:r>
+              <a:rPr lang="ru-RU" altLang="ru-RU" dirty="0"/>
+              <a:t/>
+            </a:r>
+            <a:br>
+              <a:rPr lang="ru-RU" altLang="ru-RU" dirty="0"/>
+            </a:br>
+            <a:r>
+              <a:rPr lang="ru-RU" altLang="ru-RU" dirty="0"/>
+              <a:t>}</a:t>
+            </a:r>
+          </a:p>
+        </p:txBody>
+      </p:sp>
+    </p:spTree>
+    <p:extLst>
+      <p:ext uri="{BB962C8B-B14F-4D97-AF65-F5344CB8AC3E}">
+        <p14:creationId xmlns:p14="http://schemas.microsoft.com/office/powerpoint/2010/main" val="474550135"/>
+      </p:ext>
+    </p:extLst>
+  </p:cSld>
+  <p:clrMapOvr>
+    <a:masterClrMapping/>
+  </p:clrMapOvr>
+  <p:timing>
+    <p:tnLst>
+      <p:par>
+        <p:cTn id="1" dur="indefinite" restart="never" nodeType="tmRoot"/>
+      </p:par>
+    </p:tnLst>
+  </p:timing>
+</p:sld>
+</file>
+
+<file path=ppt/slides/slide14.xml><?xml version="1.0" encoding="utf-8"?>
+<p:sld xmlns:a="http://schemas.openxmlformats.org/drawingml/2006/main" xmlns:r="http://schemas.openxmlformats.org/officeDocument/2006/relationships" xmlns:p="http://schemas.openxmlformats.org/presentationml/2006/main">
+  <p:cSld>
+    <p:spTree>
+      <p:nvGrpSpPr>
+        <p:cNvPr id="1" name=""/>
+        <p:cNvGrpSpPr/>
+        <p:nvPr/>
+      </p:nvGrpSpPr>
+      <p:grpSpPr>
+        <a:xfrm>
+          <a:off x="0" y="0"/>
+          <a:ext cx="0" cy="0"/>
+          <a:chOff x="0" y="0"/>
+          <a:chExt cx="0" cy="0"/>
+        </a:xfrm>
+      </p:grpSpPr>
+      <p:sp>
+        <p:nvSpPr>
+          <p:cNvPr id="2" name="Заголовок 1"/>
+          <p:cNvSpPr>
+            <a:spLocks noGrp="1"/>
+          </p:cNvSpPr>
+          <p:nvPr>
+            <p:ph type="title"/>
+          </p:nvPr>
+        </p:nvSpPr>
         <p:spPr/>
         <p:txBody>
           <a:bodyPr/>
@@ -4563,7 +5504,7 @@
 </p:sld>
 </file>
 
-<file path=ppt/slides/slide14.xml><?xml version="1.0" encoding="utf-8"?>
+<file path=ppt/slides/slide15.xml><?xml version="1.0" encoding="utf-8"?>
 <p:sld xmlns:a="http://schemas.openxmlformats.org/drawingml/2006/main" xmlns:r="http://schemas.openxmlformats.org/officeDocument/2006/relationships" xmlns:p="http://schemas.openxmlformats.org/presentationml/2006/main">
   <p:cSld>
     <p:spTree>
@@ -6699,7 +7640,7 @@
 </p:sld>
 </file>
 
-<file path=ppt/slides/slide15.xml><?xml version="1.0" encoding="utf-8"?>
+<file path=ppt/slides/slide16.xml><?xml version="1.0" encoding="utf-8"?>
 <p:sld xmlns:a="http://schemas.openxmlformats.org/drawingml/2006/main" xmlns:r="http://schemas.openxmlformats.org/officeDocument/2006/relationships" xmlns:p="http://schemas.openxmlformats.org/presentationml/2006/main">
   <p:cSld>
     <p:spTree>
@@ -7168,7 +8109,7 @@
 </p:sld>
 </file>
 
-<file path=ppt/slides/slide16.xml><?xml version="1.0" encoding="utf-8"?>
+<file path=ppt/slides/slide17.xml><?xml version="1.0" encoding="utf-8"?>
 <p:sld xmlns:a="http://schemas.openxmlformats.org/drawingml/2006/main" xmlns:r="http://schemas.openxmlformats.org/officeDocument/2006/relationships" xmlns:p="http://schemas.openxmlformats.org/presentationml/2006/main">
   <p:cSld>
     <p:spTree>
@@ -8198,7 +9139,7 @@
 </p:sld>
 </file>
 
-<file path=ppt/slides/slide17.xml><?xml version="1.0" encoding="utf-8"?>
+<file path=ppt/slides/slide18.xml><?xml version="1.0" encoding="utf-8"?>
 <p:sld xmlns:a="http://schemas.openxmlformats.org/drawingml/2006/main" xmlns:r="http://schemas.openxmlformats.org/officeDocument/2006/relationships" xmlns:p="http://schemas.openxmlformats.org/presentationml/2006/main">
   <p:cSld>
     <p:spTree>
@@ -8316,7 +9257,7 @@
 </p:sld>
 </file>
 
-<file path=ppt/slides/slide18.xml><?xml version="1.0" encoding="utf-8"?>
+<file path=ppt/slides/slide19.xml><?xml version="1.0" encoding="utf-8"?>
 <p:sld xmlns:a="http://schemas.openxmlformats.org/drawingml/2006/main" xmlns:r="http://schemas.openxmlformats.org/officeDocument/2006/relationships" xmlns:p="http://schemas.openxmlformats.org/presentationml/2006/main">
   <p:cSld>
     <p:spTree>
@@ -8343,7 +9284,12 @@
             <p:ph type="title"/>
           </p:nvPr>
         </p:nvSpPr>
-        <p:spPr/>
+        <p:spPr>
+          <a:xfrm>
+            <a:off x="0" y="0"/>
+            <a:ext cx="12191999" cy="1325563"/>
+          </a:xfrm>
+        </p:spPr>
         <p:txBody>
           <a:bodyPr/>
           <a:lstStyle/>
@@ -8351,7 +9297,11 @@
             <a:pPr algn="ctr"/>
             <a:r>
               <a:rPr lang="en-US" dirty="0" smtClean="0"/>
-              <a:t>Summary</a:t>
+              <a:t>Class </a:t>
+            </a:r>
+            <a:r>
+              <a:rPr lang="en-US" dirty="0" err="1" smtClean="0"/>
+              <a:t>CoalescedRDD</a:t>
             </a:r>
             <a:endParaRPr lang="ru-RU" dirty="0"/>
           </a:p>
@@ -8359,87 +9309,247 @@
       </p:sp>
       <p:sp>
         <p:nvSpPr>
-          <p:cNvPr id="3" name="Объект 2"/>
-          <p:cNvSpPr>
-            <a:spLocks noGrp="1"/>
-          </p:cNvSpPr>
-          <p:nvPr>
-            <p:ph idx="1"/>
-          </p:nvPr>
+          <p:cNvPr id="5" name="Прямоугольник 4"/>
+          <p:cNvSpPr/>
+          <p:nvPr/>
         </p:nvSpPr>
-        <p:spPr/>
-        <p:txBody>
-          <a:bodyPr/>
-          <a:lstStyle/>
-          <a:p>
-            <a:r>
-              <a:rPr lang="en-US" dirty="0" err="1" smtClean="0"/>
-              <a:t>CoalescedRDD</a:t>
-            </a:r>
-            <a:endParaRPr lang="en-US" dirty="0" smtClean="0"/>
-          </a:p>
-          <a:p>
-            <a:pPr marL="0" indent="0">
-              <a:buNone/>
-            </a:pPr>
-            <a:r>
-              <a:rPr lang="en-US" b="1" dirty="0" smtClean="0"/>
-              <a:t>If no </a:t>
-            </a:r>
-            <a:r>
-              <a:rPr lang="en-US" b="1" dirty="0"/>
-              <a:t>locality available, then simply split partitions based on positions in </a:t>
-            </a:r>
-            <a:r>
-              <a:rPr lang="en-US" b="1" dirty="0" smtClean="0"/>
-              <a:t>array</a:t>
-            </a:r>
-          </a:p>
-          <a:p>
-            <a:pPr marL="0" indent="0">
-              <a:buNone/>
-            </a:pPr>
-            <a:endParaRPr lang="en-US" dirty="0" smtClean="0"/>
-          </a:p>
-          <a:p>
-            <a:pPr marL="0" indent="0">
-              <a:buNone/>
-            </a:pPr>
-            <a:endParaRPr lang="en-US" dirty="0" smtClean="0"/>
-          </a:p>
-          <a:p>
-            <a:endParaRPr lang="ru-RU" dirty="0"/>
-          </a:p>
-        </p:txBody>
-      </p:sp>
-      <p:pic>
-        <p:nvPicPr>
-          <p:cNvPr id="4" name="Рисунок 3"/>
-          <p:cNvPicPr>
-            <a:picLocks noChangeAspect="1"/>
-          </p:cNvPicPr>
-          <p:nvPr/>
-        </p:nvPicPr>
-        <p:blipFill>
-          <a:blip r:embed="rId2"/>
-          <a:stretch>
-            <a:fillRect/>
-          </a:stretch>
-        </p:blipFill>
         <p:spPr>
           <a:xfrm>
-            <a:off x="716567" y="2949643"/>
-            <a:ext cx="10949365" cy="2103302"/>
+            <a:off x="270164" y="1997839"/>
+            <a:ext cx="11741727" cy="3970318"/>
           </a:xfrm>
           <a:prstGeom prst="rect">
             <a:avLst/>
           </a:prstGeom>
         </p:spPr>
-      </p:pic>
+        <p:txBody>
+          <a:bodyPr wrap="square">
+            <a:spAutoFit/>
+          </a:bodyPr>
+          <a:lstStyle/>
+          <a:p>
+            <a:r>
+              <a:rPr lang="en-US" sz="2800" dirty="0"/>
+              <a:t> override </a:t>
+            </a:r>
+            <a:r>
+              <a:rPr lang="en-US" sz="2800" dirty="0" err="1"/>
+              <a:t>def</a:t>
+            </a:r>
+            <a:r>
+              <a:rPr lang="en-US" sz="2800" dirty="0"/>
+              <a:t> </a:t>
+            </a:r>
+            <a:r>
+              <a:rPr lang="en-US" sz="2800" b="1" dirty="0" err="1"/>
+              <a:t>getPartitions</a:t>
+            </a:r>
+            <a:r>
+              <a:rPr lang="en-US" sz="2800" b="1" dirty="0"/>
+              <a:t>: Array[Partition] </a:t>
+            </a:r>
+            <a:r>
+              <a:rPr lang="en-US" sz="2800" dirty="0"/>
+              <a:t>= {</a:t>
+            </a:r>
+          </a:p>
+          <a:p>
+            <a:r>
+              <a:rPr lang="en-US" sz="2800" dirty="0"/>
+              <a:t>    </a:t>
+            </a:r>
+            <a:r>
+              <a:rPr lang="en-US" sz="2800" dirty="0" err="1"/>
+              <a:t>val</a:t>
+            </a:r>
+            <a:r>
+              <a:rPr lang="en-US" sz="2800" dirty="0"/>
+              <a:t> pc = </a:t>
+            </a:r>
+            <a:r>
+              <a:rPr lang="en-US" sz="2800" b="1" dirty="0" err="1"/>
+              <a:t>partitionCoalescer</a:t>
+            </a:r>
+            <a:r>
+              <a:rPr lang="en-US" sz="2800" dirty="0" err="1"/>
+              <a:t>.getOrElse</a:t>
+            </a:r>
+            <a:r>
+              <a:rPr lang="en-US" sz="2800" dirty="0"/>
+              <a:t>(new </a:t>
+            </a:r>
+            <a:r>
+              <a:rPr lang="en-US" sz="2800" b="1" dirty="0" err="1"/>
+              <a:t>DefaultPartitionCoalescer</a:t>
+            </a:r>
+            <a:r>
+              <a:rPr lang="en-US" sz="2800" dirty="0"/>
+              <a:t>())</a:t>
+            </a:r>
+          </a:p>
+          <a:p>
+            <a:endParaRPr lang="en-US" sz="2800" dirty="0"/>
+          </a:p>
+          <a:p>
+            <a:r>
+              <a:rPr lang="en-US" sz="2800" dirty="0"/>
+              <a:t>    </a:t>
+            </a:r>
+            <a:r>
+              <a:rPr lang="en-US" sz="2800" dirty="0" err="1"/>
+              <a:t>pc.coalesce</a:t>
+            </a:r>
+            <a:r>
+              <a:rPr lang="en-US" sz="2800" dirty="0"/>
+              <a:t>(</a:t>
+            </a:r>
+            <a:r>
+              <a:rPr lang="en-US" sz="2800" dirty="0" err="1"/>
+              <a:t>maxPartitions</a:t>
+            </a:r>
+            <a:r>
+              <a:rPr lang="en-US" sz="2800" dirty="0"/>
+              <a:t>, </a:t>
+            </a:r>
+            <a:r>
+              <a:rPr lang="en-US" sz="2800" dirty="0" err="1"/>
+              <a:t>prev</a:t>
+            </a:r>
+            <a:r>
+              <a:rPr lang="en-US" sz="2800" dirty="0"/>
+              <a:t>).</a:t>
+            </a:r>
+            <a:r>
+              <a:rPr lang="en-US" sz="2800" dirty="0" err="1"/>
+              <a:t>zipWithIndex.map</a:t>
+            </a:r>
+            <a:r>
+              <a:rPr lang="en-US" sz="2800" dirty="0"/>
+              <a:t> {</a:t>
+            </a:r>
+          </a:p>
+          <a:p>
+            <a:r>
+              <a:rPr lang="en-US" sz="2800" dirty="0"/>
+              <a:t>      case (</a:t>
+            </a:r>
+            <a:r>
+              <a:rPr lang="en-US" sz="2800" b="1" dirty="0" err="1"/>
+              <a:t>pg</a:t>
+            </a:r>
+            <a:r>
+              <a:rPr lang="en-US" sz="2800" dirty="0"/>
+              <a:t>, </a:t>
+            </a:r>
+            <a:r>
+              <a:rPr lang="en-US" sz="2800" dirty="0" err="1"/>
+              <a:t>i</a:t>
+            </a:r>
+            <a:r>
+              <a:rPr lang="en-US" sz="2800" dirty="0"/>
+              <a:t>) =&gt;</a:t>
+            </a:r>
+          </a:p>
+          <a:p>
+            <a:r>
+              <a:rPr lang="en-US" sz="2800" dirty="0"/>
+              <a:t>        </a:t>
+            </a:r>
+            <a:r>
+              <a:rPr lang="en-US" sz="2800" dirty="0" err="1"/>
+              <a:t>val</a:t>
+            </a:r>
+            <a:r>
+              <a:rPr lang="en-US" sz="2800" dirty="0"/>
+              <a:t> </a:t>
+            </a:r>
+            <a:r>
+              <a:rPr lang="en-US" sz="2800" b="1" dirty="0"/>
+              <a:t>ids</a:t>
+            </a:r>
+            <a:r>
+              <a:rPr lang="en-US" sz="2800" dirty="0"/>
+              <a:t> = </a:t>
+            </a:r>
+            <a:r>
+              <a:rPr lang="en-US" sz="2800" dirty="0" err="1"/>
+              <a:t>pg.partitions.map</a:t>
+            </a:r>
+            <a:r>
+              <a:rPr lang="en-US" sz="2800" dirty="0"/>
+              <a:t>(_.index).</a:t>
+            </a:r>
+            <a:r>
+              <a:rPr lang="en-US" sz="2800" dirty="0" err="1"/>
+              <a:t>toArray</a:t>
+            </a:r>
+            <a:endParaRPr lang="en-US" sz="2800" dirty="0"/>
+          </a:p>
+          <a:p>
+            <a:r>
+              <a:rPr lang="en-US" sz="2800" dirty="0"/>
+              <a:t>        </a:t>
+            </a:r>
+            <a:r>
+              <a:rPr lang="en-US" sz="2800" dirty="0" err="1"/>
+              <a:t>CoalescedRDDPartition</a:t>
+            </a:r>
+            <a:r>
+              <a:rPr lang="en-US" sz="2800" dirty="0"/>
+              <a:t>(</a:t>
+            </a:r>
+            <a:r>
+              <a:rPr lang="en-US" sz="2800" dirty="0" err="1"/>
+              <a:t>i</a:t>
+            </a:r>
+            <a:r>
+              <a:rPr lang="en-US" sz="2800" dirty="0"/>
+              <a:t>, </a:t>
+            </a:r>
+            <a:r>
+              <a:rPr lang="en-US" sz="2800" dirty="0" err="1"/>
+              <a:t>prev</a:t>
+            </a:r>
+            <a:r>
+              <a:rPr lang="en-US" sz="2800" dirty="0"/>
+              <a:t>, </a:t>
+            </a:r>
+            <a:r>
+              <a:rPr lang="en-US" sz="2800" b="1" dirty="0"/>
+              <a:t>ids</a:t>
+            </a:r>
+            <a:r>
+              <a:rPr lang="en-US" sz="2800" dirty="0"/>
+              <a:t>, </a:t>
+            </a:r>
+            <a:r>
+              <a:rPr lang="en-US" sz="2800" dirty="0" err="1"/>
+              <a:t>pg.prefLoc</a:t>
+            </a:r>
+            <a:r>
+              <a:rPr lang="en-US" sz="2800" dirty="0"/>
+              <a:t>)</a:t>
+            </a:r>
+          </a:p>
+          <a:p>
+            <a:r>
+              <a:rPr lang="en-US" sz="2800" dirty="0"/>
+              <a:t>    }</a:t>
+            </a:r>
+          </a:p>
+          <a:p>
+            <a:r>
+              <a:rPr lang="en-US" sz="2800" dirty="0"/>
+              <a:t>  }</a:t>
+            </a:r>
+            <a:endParaRPr lang="ru-RU" sz="2800" dirty="0"/>
+          </a:p>
+        </p:txBody>
+      </p:sp>
     </p:spTree>
     <p:extLst>
       <p:ext uri="{BB962C8B-B14F-4D97-AF65-F5344CB8AC3E}">
-        <p14:creationId xmlns:p14="http://schemas.microsoft.com/office/powerpoint/2010/main" val="1614677254"/>
+        <p14:creationId xmlns:p14="http://schemas.microsoft.com/office/powerpoint/2010/main" val="2438551580"/>
       </p:ext>
     </p:extLst>
   </p:cSld>
@@ -8549,7 +9659,11 @@
             </a:r>
             <a:r>
               <a:rPr lang="en-US" sz="3600" dirty="0"/>
-              <a:t>).coalesce(1)</a:t>
+              <a:t>).</a:t>
+            </a:r>
+            <a:r>
+              <a:rPr lang="en-US" sz="3600" dirty="0" smtClean="0"/>
+              <a:t>coalesce(2)</a:t>
             </a:r>
             <a:endParaRPr lang="ru-RU" sz="3600" dirty="0"/>
           </a:p>
@@ -8559,6 +9673,146 @@
     <p:extLst>
       <p:ext uri="{BB962C8B-B14F-4D97-AF65-F5344CB8AC3E}">
         <p14:creationId xmlns:p14="http://schemas.microsoft.com/office/powerpoint/2010/main" val="3756426316"/>
+      </p:ext>
+    </p:extLst>
+  </p:cSld>
+  <p:clrMapOvr>
+    <a:masterClrMapping/>
+  </p:clrMapOvr>
+  <p:timing>
+    <p:tnLst>
+      <p:par>
+        <p:cTn id="1" dur="indefinite" restart="never" nodeType="tmRoot"/>
+      </p:par>
+    </p:tnLst>
+  </p:timing>
+</p:sld>
+</file>
+
+<file path=ppt/slides/slide20.xml><?xml version="1.0" encoding="utf-8"?>
+<p:sld xmlns:a="http://schemas.openxmlformats.org/drawingml/2006/main" xmlns:r="http://schemas.openxmlformats.org/officeDocument/2006/relationships" xmlns:p="http://schemas.openxmlformats.org/presentationml/2006/main">
+  <p:cSld>
+    <p:spTree>
+      <p:nvGrpSpPr>
+        <p:cNvPr id="1" name=""/>
+        <p:cNvGrpSpPr/>
+        <p:nvPr/>
+      </p:nvGrpSpPr>
+      <p:grpSpPr>
+        <a:xfrm>
+          <a:off x="0" y="0"/>
+          <a:ext cx="0" cy="0"/>
+          <a:chOff x="0" y="0"/>
+          <a:chExt cx="0" cy="0"/>
+        </a:xfrm>
+      </p:grpSpPr>
+      <p:sp>
+        <p:nvSpPr>
+          <p:cNvPr id="2" name="Заголовок 1"/>
+          <p:cNvSpPr>
+            <a:spLocks noGrp="1"/>
+          </p:cNvSpPr>
+          <p:nvPr>
+            <p:ph type="title"/>
+          </p:nvPr>
+        </p:nvSpPr>
+        <p:spPr/>
+        <p:txBody>
+          <a:bodyPr/>
+          <a:lstStyle/>
+          <a:p>
+            <a:pPr algn="ctr"/>
+            <a:r>
+              <a:rPr lang="en-US" dirty="0" smtClean="0"/>
+              <a:t>Summary</a:t>
+            </a:r>
+            <a:endParaRPr lang="ru-RU" dirty="0"/>
+          </a:p>
+        </p:txBody>
+      </p:sp>
+      <p:sp>
+        <p:nvSpPr>
+          <p:cNvPr id="3" name="Объект 2"/>
+          <p:cNvSpPr>
+            <a:spLocks noGrp="1"/>
+          </p:cNvSpPr>
+          <p:nvPr>
+            <p:ph idx="1"/>
+          </p:nvPr>
+        </p:nvSpPr>
+        <p:spPr/>
+        <p:txBody>
+          <a:bodyPr/>
+          <a:lstStyle/>
+          <a:p>
+            <a:r>
+              <a:rPr lang="en-US" dirty="0" err="1" smtClean="0"/>
+              <a:t>CoalescedRDD</a:t>
+            </a:r>
+            <a:endParaRPr lang="en-US" dirty="0" smtClean="0"/>
+          </a:p>
+          <a:p>
+            <a:pPr marL="0" indent="0">
+              <a:buNone/>
+            </a:pPr>
+            <a:r>
+              <a:rPr lang="en-US" b="1" dirty="0" smtClean="0"/>
+              <a:t>If no </a:t>
+            </a:r>
+            <a:r>
+              <a:rPr lang="en-US" b="1" dirty="0"/>
+              <a:t>locality available, then simply split partitions based on positions in </a:t>
+            </a:r>
+            <a:r>
+              <a:rPr lang="en-US" b="1" dirty="0" smtClean="0"/>
+              <a:t>array</a:t>
+            </a:r>
+          </a:p>
+          <a:p>
+            <a:pPr marL="0" indent="0">
+              <a:buNone/>
+            </a:pPr>
+            <a:endParaRPr lang="en-US" dirty="0" smtClean="0"/>
+          </a:p>
+          <a:p>
+            <a:pPr marL="0" indent="0">
+              <a:buNone/>
+            </a:pPr>
+            <a:endParaRPr lang="en-US" dirty="0" smtClean="0"/>
+          </a:p>
+          <a:p>
+            <a:endParaRPr lang="ru-RU" dirty="0"/>
+          </a:p>
+        </p:txBody>
+      </p:sp>
+      <p:pic>
+        <p:nvPicPr>
+          <p:cNvPr id="4" name="Рисунок 3"/>
+          <p:cNvPicPr>
+            <a:picLocks noChangeAspect="1"/>
+          </p:cNvPicPr>
+          <p:nvPr/>
+        </p:nvPicPr>
+        <p:blipFill>
+          <a:blip r:embed="rId2"/>
+          <a:stretch>
+            <a:fillRect/>
+          </a:stretch>
+        </p:blipFill>
+        <p:spPr>
+          <a:xfrm>
+            <a:off x="716567" y="2949643"/>
+            <a:ext cx="10949365" cy="2103302"/>
+          </a:xfrm>
+          <a:prstGeom prst="rect">
+            <a:avLst/>
+          </a:prstGeom>
+        </p:spPr>
+      </p:pic>
+    </p:spTree>
+    <p:extLst>
+      <p:ext uri="{BB962C8B-B14F-4D97-AF65-F5344CB8AC3E}">
+        <p14:creationId xmlns:p14="http://schemas.microsoft.com/office/powerpoint/2010/main" val="1614677254"/>
       </p:ext>
     </p:extLst>
   </p:cSld>
@@ -8594,7 +9848,7 @@
       </p:grpSpPr>
       <p:pic>
         <p:nvPicPr>
-          <p:cNvPr id="2" name="Рисунок 1"/>
+          <p:cNvPr id="3" name="Рисунок 2"/>
           <p:cNvPicPr>
             <a:picLocks noChangeAspect="1"/>
           </p:cNvPicPr>
@@ -8608,8 +9862,8 @@
         </p:blipFill>
         <p:spPr>
           <a:xfrm>
-            <a:off x="1390650" y="119062"/>
-            <a:ext cx="8382000" cy="6353175"/>
+            <a:off x="2367381" y="0"/>
+            <a:ext cx="7705725" cy="6858000"/>
           </a:xfrm>
           <a:prstGeom prst="rect">
             <a:avLst/>
@@ -8655,14 +9909,14 @@
       </p:grpSpPr>
       <p:sp>
         <p:nvSpPr>
-          <p:cNvPr id="2" name="Прямоугольник 1"/>
+          <p:cNvPr id="4" name="Прямоугольник 3"/>
           <p:cNvSpPr/>
           <p:nvPr/>
         </p:nvSpPr>
         <p:spPr>
           <a:xfrm>
-            <a:off x="144607" y="169316"/>
-            <a:ext cx="8905875" cy="6001643"/>
+            <a:off x="1507252" y="202202"/>
+            <a:ext cx="8219552" cy="6001643"/>
           </a:xfrm>
           <a:prstGeom prst="rect">
             <a:avLst/>
@@ -8682,13 +9936,17 @@
           <a:p>
             <a:r>
               <a:rPr lang="en-US" sz="2400" dirty="0"/>
-              <a:t>Repartition 1, false</a:t>
-            </a:r>
-          </a:p>
-          <a:p>
-            <a:r>
-              <a:rPr lang="en-US" sz="2400" dirty="0"/>
-              <a:t>+- Range (0, 100000, step=1, splits=Some(8))</a:t>
+              <a:t>Repartition 2, </a:t>
+            </a:r>
+            <a:r>
+              <a:rPr lang="en-US" sz="2400" b="1" dirty="0"/>
+              <a:t>false</a:t>
+            </a:r>
+          </a:p>
+          <a:p>
+            <a:r>
+              <a:rPr lang="en-US" sz="2400" dirty="0"/>
+              <a:t>+- Range (1, 1000000, step=1, splits=Some(8))</a:t>
             </a:r>
           </a:p>
           <a:p>
@@ -8714,13 +9972,17 @@
           <a:p>
             <a:r>
               <a:rPr lang="en-US" sz="2400" dirty="0"/>
-              <a:t>Repartition 1, false</a:t>
-            </a:r>
-          </a:p>
-          <a:p>
-            <a:r>
-              <a:rPr lang="en-US" sz="2400" dirty="0"/>
-              <a:t>+- Range (0, 100000, step=1, splits=Some(8))</a:t>
+              <a:t>Repartition 2, </a:t>
+            </a:r>
+            <a:r>
+              <a:rPr lang="en-US" sz="2400" b="1" dirty="0"/>
+              <a:t>false</a:t>
+            </a:r>
+          </a:p>
+          <a:p>
+            <a:r>
+              <a:rPr lang="en-US" sz="2400" dirty="0"/>
+              <a:t>+- Range (1, 1000000, step=1, splits=Some(8))</a:t>
             </a:r>
           </a:p>
           <a:p>
@@ -8735,13 +9997,17 @@
           <a:p>
             <a:r>
               <a:rPr lang="en-US" sz="2400" dirty="0"/>
-              <a:t>Repartition 1, false</a:t>
-            </a:r>
-          </a:p>
-          <a:p>
-            <a:r>
-              <a:rPr lang="en-US" sz="2400" dirty="0"/>
-              <a:t>+- Range (0, 100000, step=1, splits=Some(8))</a:t>
+              <a:t>Repartition 2, </a:t>
+            </a:r>
+            <a:r>
+              <a:rPr lang="en-US" sz="2400" b="1" dirty="0"/>
+              <a:t>false</a:t>
+            </a:r>
+          </a:p>
+          <a:p>
+            <a:r>
+              <a:rPr lang="en-US" sz="2400" dirty="0"/>
+              <a:t>+- Range (1, 1000000, step=1, splits=Some(8))</a:t>
             </a:r>
           </a:p>
           <a:p>
@@ -8756,13 +10022,25 @@
           <a:p>
             <a:r>
               <a:rPr lang="en-US" sz="2400" dirty="0"/>
-              <a:t>Coalesce 1</a:t>
-            </a:r>
-          </a:p>
-          <a:p>
-            <a:r>
-              <a:rPr lang="en-US" sz="2400" dirty="0"/>
-              <a:t>+- *(1) Range (0, 100000, step=1, splits=8)</a:t>
+              <a:t>Coalesce </a:t>
+            </a:r>
+            <a:r>
+              <a:rPr lang="en-US" sz="2400" b="1" dirty="0"/>
+              <a:t>2</a:t>
+            </a:r>
+          </a:p>
+          <a:p>
+            <a:r>
+              <a:rPr lang="en-US" sz="2400" dirty="0"/>
+              <a:t>+- *(1) Range (1, 1000000, step=1, splits=</a:t>
+            </a:r>
+            <a:r>
+              <a:rPr lang="en-US" sz="2400" b="1" dirty="0"/>
+              <a:t>8</a:t>
+            </a:r>
+            <a:r>
+              <a:rPr lang="en-US" sz="2400" dirty="0"/>
+              <a:t>)</a:t>
             </a:r>
             <a:endParaRPr lang="ru-RU" sz="2400" dirty="0"/>
           </a:p>
@@ -8862,18 +10140,22 @@
           <a:p>
             <a:r>
               <a:rPr lang="en-US" sz="2400" dirty="0"/>
-              <a:t>   * number of partitions. Similar to coalesce defined on an `RDD`, this operation results in</a:t>
-            </a:r>
-          </a:p>
-          <a:p>
-            <a:r>
-              <a:rPr lang="en-US" sz="2400" dirty="0"/>
+              <a:t>   * number of partitions</a:t>
+            </a:r>
+            <a:r>
+              <a:rPr lang="en-US" sz="2400" b="1" dirty="0"/>
+              <a:t>. Similar to coalesce defined on an `RDD`, this operation results in</a:t>
+            </a:r>
+          </a:p>
+          <a:p>
+            <a:r>
+              <a:rPr lang="en-US" sz="2400" b="1" dirty="0"/>
               <a:t>   * a narrow dependency, e.g. if you go from 1000 partitions to 100 partitions, there will not</a:t>
             </a:r>
           </a:p>
           <a:p>
             <a:r>
-              <a:rPr lang="en-US" sz="2400" dirty="0"/>
+              <a:rPr lang="en-US" sz="2400" b="1" dirty="0"/>
               <a:t>   * be a shuffle, instead each of the 100 new partitions will claim 10 of the current partitions.</a:t>
             </a:r>
           </a:p>
@@ -8956,24 +10238,28 @@
               <a:t> </a:t>
             </a:r>
             <a:r>
-              <a:rPr lang="en-US" sz="2400" dirty="0"/>
+              <a:rPr lang="en-US" sz="2400" b="1" dirty="0"/>
               <a:t>coalesce(</a:t>
             </a:r>
             <a:r>
-              <a:rPr lang="en-US" sz="2400" dirty="0" err="1"/>
+              <a:rPr lang="en-US" sz="2400" b="1" dirty="0" err="1"/>
               <a:t>numPartitions</a:t>
             </a:r>
             <a:r>
-              <a:rPr lang="en-US" sz="2400" dirty="0"/>
+              <a:rPr lang="en-US" sz="2400" b="1" dirty="0"/>
               <a:t>: </a:t>
             </a:r>
             <a:r>
-              <a:rPr lang="en-US" sz="2400" dirty="0" err="1"/>
+              <a:rPr lang="en-US" sz="2400" b="1" dirty="0" err="1"/>
               <a:t>Int</a:t>
             </a:r>
             <a:r>
-              <a:rPr lang="en-US" sz="2400" dirty="0"/>
-              <a:t>): Dataset[T] = </a:t>
+              <a:rPr lang="en-US" sz="2400" b="1" dirty="0"/>
+              <a:t>): Dataset[T] </a:t>
+            </a:r>
+            <a:r>
+              <a:rPr lang="en-US" sz="2400" dirty="0"/>
+              <a:t>= </a:t>
             </a:r>
             <a:r>
               <a:rPr lang="en-US" sz="2400" dirty="0" err="1"/>
@@ -9155,27 +10441,27 @@
             </a:r>
             <a:r>
               <a:rPr lang="en-US" sz="2400" b="1" dirty="0"/>
-              <a:t>Repartition</a:t>
-            </a:r>
-            <a:r>
-              <a:rPr lang="en-US" sz="2400" dirty="0"/>
-              <a:t>(</a:t>
-            </a:r>
-            <a:r>
-              <a:rPr lang="en-US" sz="2400" dirty="0" err="1"/>
+              <a:t>Repartition(</a:t>
+            </a:r>
+            <a:r>
+              <a:rPr lang="en-US" sz="2400" b="1" dirty="0" err="1"/>
               <a:t>numPartitions</a:t>
             </a:r>
             <a:r>
-              <a:rPr lang="en-US" sz="2400" dirty="0"/>
+              <a:rPr lang="en-US" sz="2400" b="1" dirty="0"/>
               <a:t>: </a:t>
             </a:r>
             <a:r>
-              <a:rPr lang="en-US" sz="2400" dirty="0" err="1"/>
+              <a:rPr lang="en-US" sz="2400" b="1" dirty="0" err="1"/>
               <a:t>Int</a:t>
             </a:r>
             <a:r>
-              <a:rPr lang="en-US" sz="2400" dirty="0"/>
-              <a:t>, shuffle: Boolean, child: </a:t>
+              <a:rPr lang="en-US" sz="2400" b="1" dirty="0"/>
+              <a:t>, shuffle: Boolean</a:t>
+            </a:r>
+            <a:r>
+              <a:rPr lang="en-US" sz="2400" dirty="0"/>
+              <a:t>, child: </a:t>
             </a:r>
             <a:r>
               <a:rPr lang="en-US" sz="2400" dirty="0" err="1"/>
@@ -9305,6 +10591,17 @@
               <a:rPr lang="en-US" dirty="0" err="1" smtClean="0"/>
               <a:t>BasicOperators</a:t>
             </a:r>
+            <a:r>
+              <a:rPr lang="en-US" dirty="0" smtClean="0"/>
+              <a:t/>
+            </a:r>
+            <a:br>
+              <a:rPr lang="en-US" dirty="0" smtClean="0"/>
+            </a:br>
+            <a:r>
+              <a:rPr lang="en-US" dirty="0" smtClean="0"/>
+              <a:t>(This is a part of Catalyst)</a:t>
+            </a:r>
             <a:endParaRPr lang="ru-RU" dirty="0"/>
           </a:p>
         </p:txBody>
@@ -9381,7 +10678,7 @@
               <a:t> </a:t>
             </a:r>
             <a:r>
-              <a:rPr kumimoji="0" lang="ru-RU" altLang="ru-RU" sz="2000" b="0" i="0" u="none" strike="noStrike" cap="none" normalizeH="0" baseline="0" dirty="0" err="1" smtClean="0">
+              <a:rPr kumimoji="0" lang="ru-RU" altLang="ru-RU" sz="2000" b="1" i="0" u="none" strike="noStrike" cap="none" normalizeH="0" baseline="0" dirty="0" err="1" smtClean="0">
                 <a:ln>
                   <a:noFill/>
                 </a:ln>
@@ -9392,6 +10689,83 @@
               <a:t>logical.Repartition</a:t>
             </a:r>
             <a:r>
+              <a:rPr kumimoji="0" lang="ru-RU" altLang="ru-RU" sz="2000" b="1" i="0" u="none" strike="noStrike" cap="none" normalizeH="0" baseline="0" dirty="0" smtClean="0">
+                <a:ln>
+                  <a:noFill/>
+                </a:ln>
+                <a:effectLst/>
+                <a:latin typeface="Courier New" panose="02070309020205020404" pitchFamily="49" charset="0"/>
+                <a:cs typeface="Courier New" panose="02070309020205020404" pitchFamily="49" charset="0"/>
+              </a:rPr>
+              <a:t>(</a:t>
+            </a:r>
+            <a:r>
+              <a:rPr kumimoji="0" lang="ru-RU" altLang="ru-RU" sz="2000" b="1" i="0" u="none" strike="noStrike" cap="none" normalizeH="0" baseline="0" dirty="0" err="1" smtClean="0">
+                <a:ln>
+                  <a:noFill/>
+                </a:ln>
+                <a:effectLst/>
+                <a:latin typeface="Courier New" panose="02070309020205020404" pitchFamily="49" charset="0"/>
+                <a:cs typeface="Courier New" panose="02070309020205020404" pitchFamily="49" charset="0"/>
+              </a:rPr>
+              <a:t>numPartitions</a:t>
+            </a:r>
+            <a:r>
+              <a:rPr kumimoji="0" lang="ru-RU" altLang="ru-RU" sz="2000" b="1" i="0" u="none" strike="noStrike" cap="none" normalizeH="0" baseline="0" dirty="0" smtClean="0">
+                <a:ln>
+                  <a:noFill/>
+                </a:ln>
+                <a:effectLst/>
+                <a:latin typeface="Courier New" panose="02070309020205020404" pitchFamily="49" charset="0"/>
+                <a:cs typeface="Courier New" panose="02070309020205020404" pitchFamily="49" charset="0"/>
+              </a:rPr>
+              <a:t>, </a:t>
+            </a:r>
+            <a:r>
+              <a:rPr kumimoji="0" lang="ru-RU" altLang="ru-RU" sz="2000" b="1" i="0" u="none" strike="noStrike" cap="none" normalizeH="0" baseline="0" dirty="0" err="1" smtClean="0">
+                <a:ln>
+                  <a:noFill/>
+                </a:ln>
+                <a:effectLst/>
+                <a:latin typeface="Courier New" panose="02070309020205020404" pitchFamily="49" charset="0"/>
+                <a:cs typeface="Courier New" panose="02070309020205020404" pitchFamily="49" charset="0"/>
+              </a:rPr>
+              <a:t>shuffle</a:t>
+            </a:r>
+            <a:r>
+              <a:rPr kumimoji="0" lang="ru-RU" altLang="ru-RU" sz="2000" b="1" i="0" u="none" strike="noStrike" cap="none" normalizeH="0" baseline="0" dirty="0" smtClean="0">
+                <a:ln>
+                  <a:noFill/>
+                </a:ln>
+                <a:effectLst/>
+                <a:latin typeface="Courier New" panose="02070309020205020404" pitchFamily="49" charset="0"/>
+                <a:cs typeface="Courier New" panose="02070309020205020404" pitchFamily="49" charset="0"/>
+              </a:rPr>
+              <a:t>, </a:t>
+            </a:r>
+            <a:r>
+              <a:rPr kumimoji="0" lang="ru-RU" altLang="ru-RU" sz="2000" b="1" i="0" u="none" strike="noStrike" cap="none" normalizeH="0" baseline="0" dirty="0" err="1" smtClean="0">
+                <a:ln>
+                  <a:noFill/>
+                </a:ln>
+                <a:effectLst/>
+                <a:latin typeface="Courier New" panose="02070309020205020404" pitchFamily="49" charset="0"/>
+                <a:cs typeface="Courier New" panose="02070309020205020404" pitchFamily="49" charset="0"/>
+              </a:rPr>
+              <a:t>child</a:t>
+            </a:r>
+            <a:r>
+              <a:rPr kumimoji="0" lang="ru-RU" altLang="ru-RU" sz="2000" b="1" i="0" u="none" strike="noStrike" cap="none" normalizeH="0" baseline="0" dirty="0" smtClean="0">
+                <a:ln>
+                  <a:noFill/>
+                </a:ln>
+                <a:effectLst/>
+                <a:latin typeface="Courier New" panose="02070309020205020404" pitchFamily="49" charset="0"/>
+                <a:cs typeface="Courier New" panose="02070309020205020404" pitchFamily="49" charset="0"/>
+              </a:rPr>
+              <a:t>) </a:t>
+            </a:r>
+            <a:r>
               <a:rPr kumimoji="0" lang="ru-RU" altLang="ru-RU" sz="2000" b="0" i="0" u="none" strike="noStrike" cap="none" normalizeH="0" baseline="0" dirty="0" smtClean="0">
                 <a:ln>
                   <a:noFill/>
@@ -9400,73 +10774,7 @@
                 <a:latin typeface="Courier New" panose="02070309020205020404" pitchFamily="49" charset="0"/>
                 <a:cs typeface="Courier New" panose="02070309020205020404" pitchFamily="49" charset="0"/>
               </a:rPr>
-              <a:t>(</a:t>
-            </a:r>
-            <a:r>
-              <a:rPr kumimoji="0" lang="ru-RU" altLang="ru-RU" sz="2000" b="0" i="0" u="none" strike="noStrike" cap="none" normalizeH="0" baseline="0" dirty="0" err="1" smtClean="0">
-                <a:ln>
-                  <a:noFill/>
-                </a:ln>
-                <a:effectLst/>
-                <a:latin typeface="Courier New" panose="02070309020205020404" pitchFamily="49" charset="0"/>
-                <a:cs typeface="Courier New" panose="02070309020205020404" pitchFamily="49" charset="0"/>
-              </a:rPr>
-              <a:t>numPartitions</a:t>
-            </a:r>
-            <a:r>
-              <a:rPr kumimoji="0" lang="ru-RU" altLang="ru-RU" sz="2000" b="0" i="0" u="none" strike="noStrike" cap="none" normalizeH="0" baseline="0" dirty="0" smtClean="0">
-                <a:ln>
-                  <a:noFill/>
-                </a:ln>
-                <a:effectLst/>
-                <a:latin typeface="Courier New" panose="02070309020205020404" pitchFamily="49" charset="0"/>
-                <a:cs typeface="Courier New" panose="02070309020205020404" pitchFamily="49" charset="0"/>
-              </a:rPr>
-              <a:t>, </a:t>
-            </a:r>
-            <a:r>
-              <a:rPr kumimoji="0" lang="ru-RU" altLang="ru-RU" sz="2000" b="0" i="0" u="none" strike="noStrike" cap="none" normalizeH="0" baseline="0" dirty="0" err="1" smtClean="0">
-                <a:ln>
-                  <a:noFill/>
-                </a:ln>
-                <a:effectLst/>
-                <a:latin typeface="Courier New" panose="02070309020205020404" pitchFamily="49" charset="0"/>
-                <a:cs typeface="Courier New" panose="02070309020205020404" pitchFamily="49" charset="0"/>
-              </a:rPr>
-              <a:t>shuffle</a:t>
-            </a:r>
-            <a:r>
-              <a:rPr kumimoji="0" lang="ru-RU" altLang="ru-RU" sz="2000" b="0" i="0" u="none" strike="noStrike" cap="none" normalizeH="0" baseline="0" dirty="0" smtClean="0">
-                <a:ln>
-                  <a:noFill/>
-                </a:ln>
-                <a:effectLst/>
-                <a:latin typeface="Courier New" panose="02070309020205020404" pitchFamily="49" charset="0"/>
-                <a:cs typeface="Courier New" panose="02070309020205020404" pitchFamily="49" charset="0"/>
-              </a:rPr>
-              <a:t>, </a:t>
-            </a:r>
-            <a:r>
-              <a:rPr kumimoji="0" lang="ru-RU" altLang="ru-RU" sz="2000" b="0" i="0" u="none" strike="noStrike" cap="none" normalizeH="0" baseline="0" dirty="0" err="1" smtClean="0">
-                <a:ln>
-                  <a:noFill/>
-                </a:ln>
-                <a:effectLst/>
-                <a:latin typeface="Courier New" panose="02070309020205020404" pitchFamily="49" charset="0"/>
-                <a:cs typeface="Courier New" panose="02070309020205020404" pitchFamily="49" charset="0"/>
-              </a:rPr>
-              <a:t>child</a:t>
-            </a:r>
-            <a:r>
-              <a:rPr kumimoji="0" lang="ru-RU" altLang="ru-RU" sz="2000" b="0" i="0" u="none" strike="noStrike" cap="none" normalizeH="0" baseline="0" dirty="0" smtClean="0">
-                <a:ln>
-                  <a:noFill/>
-                </a:ln>
-                <a:effectLst/>
-                <a:latin typeface="Courier New" panose="02070309020205020404" pitchFamily="49" charset="0"/>
-                <a:cs typeface="Courier New" panose="02070309020205020404" pitchFamily="49" charset="0"/>
-              </a:rPr>
-              <a:t>) =&gt;</a:t>
+              <a:t>=&gt;</a:t>
             </a:r>
             <a:br>
               <a:rPr kumimoji="0" lang="ru-RU" altLang="ru-RU" sz="2000" b="0" i="0" u="none" strike="noStrike" cap="none" normalizeH="0" baseline="0" dirty="0" smtClean="0">
@@ -10345,7 +11653,91 @@
             </a:r>
             <a:r>
               <a:rPr lang="en-US" sz="2400" dirty="0"/>
-              <a:t> coalesce(</a:t>
+              <a:t> </a:t>
+            </a:r>
+            <a:r>
+              <a:rPr lang="en-US" sz="2400" b="1" dirty="0"/>
+              <a:t>coalesce(</a:t>
+            </a:r>
+            <a:r>
+              <a:rPr lang="en-US" sz="2400" b="1" dirty="0" err="1"/>
+              <a:t>numPartitions</a:t>
+            </a:r>
+            <a:r>
+              <a:rPr lang="en-US" sz="2400" b="1" dirty="0"/>
+              <a:t>: </a:t>
+            </a:r>
+            <a:r>
+              <a:rPr lang="en-US" sz="2400" b="1" dirty="0" err="1"/>
+              <a:t>Int</a:t>
+            </a:r>
+            <a:r>
+              <a:rPr lang="en-US" sz="2400" b="1" dirty="0"/>
+              <a:t>, shuffle: Boolean = false,</a:t>
+            </a:r>
+          </a:p>
+          <a:p>
+            <a:r>
+              <a:rPr lang="en-US" sz="2400" b="1" dirty="0"/>
+              <a:t>               </a:t>
+            </a:r>
+            <a:r>
+              <a:rPr lang="en-US" sz="2400" b="1" dirty="0" err="1"/>
+              <a:t>partitionCoalescer</a:t>
+            </a:r>
+            <a:r>
+              <a:rPr lang="en-US" sz="2400" b="1" dirty="0"/>
+              <a:t>: Option[</a:t>
+            </a:r>
+            <a:r>
+              <a:rPr lang="en-US" sz="2400" b="1" dirty="0" err="1"/>
+              <a:t>PartitionCoalescer</a:t>
+            </a:r>
+            <a:r>
+              <a:rPr lang="en-US" sz="2400" b="1" dirty="0"/>
+              <a:t>] = </a:t>
+            </a:r>
+            <a:r>
+              <a:rPr lang="en-US" sz="2400" b="1" dirty="0" err="1"/>
+              <a:t>Option.empty</a:t>
+            </a:r>
+            <a:r>
+              <a:rPr lang="en-US" sz="2400" b="1" dirty="0"/>
+              <a:t>)</a:t>
+            </a:r>
+          </a:p>
+          <a:p>
+            <a:r>
+              <a:rPr lang="en-US" sz="2400" dirty="0"/>
+              <a:t>              (implicit </a:t>
+            </a:r>
+            <a:r>
+              <a:rPr lang="en-US" sz="2400" dirty="0" err="1"/>
+              <a:t>ord</a:t>
+            </a:r>
+            <a:r>
+              <a:rPr lang="en-US" sz="2400" dirty="0"/>
+              <a:t>: Ordering[T] = null)</a:t>
+            </a:r>
+          </a:p>
+          <a:p>
+            <a:r>
+              <a:rPr lang="en-US" sz="2400" dirty="0"/>
+              <a:t>      : RDD[T] = </a:t>
+            </a:r>
+            <a:r>
+              <a:rPr lang="en-US" sz="2400" dirty="0" err="1"/>
+              <a:t>withScope</a:t>
+            </a:r>
+            <a:r>
+              <a:rPr lang="en-US" sz="2400" dirty="0"/>
+              <a:t> {</a:t>
+            </a:r>
+          </a:p>
+          <a:p>
+            <a:r>
+              <a:rPr lang="en-US" sz="2400" dirty="0"/>
+              <a:t>    require(</a:t>
             </a:r>
             <a:r>
               <a:rPr lang="en-US" sz="2400" dirty="0" err="1"/>
@@ -10353,79 +11745,15 @@
             </a:r>
             <a:r>
               <a:rPr lang="en-US" sz="2400" dirty="0"/>
-              <a:t>: </a:t>
+              <a:t> &gt; 0, </a:t>
             </a:r>
             <a:r>
               <a:rPr lang="en-US" sz="2400" dirty="0" err="1"/>
-              <a:t>Int</a:t>
-            </a:r>
-            <a:r>
-              <a:rPr lang="en-US" sz="2400" dirty="0"/>
-              <a:t>, shuffle: Boolean = false,</a:t>
-            </a:r>
-          </a:p>
-          <a:p>
-            <a:r>
-              <a:rPr lang="en-US" sz="2400" dirty="0"/>
-              <a:t>               </a:t>
-            </a:r>
-            <a:r>
-              <a:rPr lang="en-US" sz="2400" dirty="0" err="1"/>
-              <a:t>partitionCoalescer</a:t>
-            </a:r>
-            <a:r>
-              <a:rPr lang="en-US" sz="2400" dirty="0"/>
-              <a:t>: Option[</a:t>
-            </a:r>
-            <a:r>
-              <a:rPr lang="en-US" sz="2400" dirty="0" err="1"/>
-              <a:t>PartitionCoalescer</a:t>
-            </a:r>
-            <a:r>
-              <a:rPr lang="en-US" sz="2400" dirty="0"/>
-              <a:t>] = </a:t>
-            </a:r>
-            <a:r>
-              <a:rPr lang="en-US" sz="2400" dirty="0" err="1"/>
-              <a:t>Option.empty</a:t>
-            </a:r>
-            <a:r>
-              <a:rPr lang="en-US" sz="2400" dirty="0"/>
-              <a:t>)</a:t>
-            </a:r>
-          </a:p>
-          <a:p>
-            <a:r>
-              <a:rPr lang="en-US" sz="2400" dirty="0"/>
-              <a:t>              (implicit </a:t>
-            </a:r>
-            <a:r>
-              <a:rPr lang="en-US" sz="2400" dirty="0" err="1"/>
-              <a:t>ord</a:t>
-            </a:r>
-            <a:r>
-              <a:rPr lang="en-US" sz="2400" dirty="0"/>
-              <a:t>: Ordering[T] = null)</a:t>
-            </a:r>
-          </a:p>
-          <a:p>
-            <a:r>
-              <a:rPr lang="en-US" sz="2400" dirty="0"/>
-              <a:t>      : RDD[T] = </a:t>
-            </a:r>
-            <a:r>
-              <a:rPr lang="en-US" sz="2400" dirty="0" err="1"/>
-              <a:t>withScope</a:t>
-            </a:r>
-            <a:r>
-              <a:rPr lang="en-US" sz="2400" dirty="0"/>
-              <a:t> {</a:t>
-            </a:r>
-          </a:p>
-          <a:p>
-            <a:r>
-              <a:rPr lang="en-US" sz="2400" dirty="0"/>
-              <a:t>    require(</a:t>
+              <a:t>s"Number</a:t>
+            </a:r>
+            <a:r>
+              <a:rPr lang="en-US" sz="2400" dirty="0"/>
+              <a:t> of partitions ($</a:t>
             </a:r>
             <a:r>
               <a:rPr lang="en-US" sz="2400" dirty="0" err="1"/>
@@ -10433,29 +11761,21 @@
             </a:r>
             <a:r>
               <a:rPr lang="en-US" sz="2400" dirty="0"/>
-              <a:t> &gt; 0, </a:t>
-            </a:r>
-            <a:r>
-              <a:rPr lang="en-US" sz="2400" dirty="0" err="1"/>
-              <a:t>s"Number</a:t>
-            </a:r>
-            <a:r>
-              <a:rPr lang="en-US" sz="2400" dirty="0"/>
-              <a:t> of partitions ($</a:t>
-            </a:r>
-            <a:r>
-              <a:rPr lang="en-US" sz="2400" dirty="0" err="1"/>
-              <a:t>numPartitions</a:t>
-            </a:r>
-            <a:r>
-              <a:rPr lang="en-US" sz="2400" dirty="0"/>
               <a:t>) must be positive.")</a:t>
             </a:r>
           </a:p>
           <a:p>
             <a:r>
               <a:rPr lang="en-US" sz="2400" dirty="0"/>
-              <a:t>    if (shuffle) {</a:t>
+              <a:t>    if (</a:t>
+            </a:r>
+            <a:r>
+              <a:rPr lang="en-US" sz="2400" b="1" dirty="0"/>
+              <a:t>shuffle</a:t>
+            </a:r>
+            <a:r>
+              <a:rPr lang="en-US" sz="2400" dirty="0"/>
+              <a:t>) {</a:t>
             </a:r>
           </a:p>
           <a:p>
